--- a/Slides_Project3_Group7.pptx
+++ b/Slides_Project3_Group7.pptx
@@ -16,16 +16,17 @@
     <p:sldId id="261" r:id="rId10"/>
     <p:sldId id="262" r:id="rId11"/>
     <p:sldId id="263" r:id="rId12"/>
+    <p:sldId id="264" r:id="rId13"/>
   </p:sldIdLst>
   <p:sldSz cy="6858000" cx="12192000"/>
   <p:notesSz cx="6858000" cy="9144000"/>
   <p:embeddedFontLst>
     <p:embeddedFont>
       <p:font typeface="Libre Franklin"/>
-      <p:regular r:id="rId13"/>
-      <p:bold r:id="rId14"/>
-      <p:italic r:id="rId15"/>
-      <p:boldItalic r:id="rId16"/>
+      <p:regular r:id="rId14"/>
+      <p:bold r:id="rId15"/>
+      <p:italic r:id="rId16"/>
+      <p:boldItalic r:id="rId17"/>
     </p:embeddedFont>
   </p:embeddedFontLst>
   <p:defaultTextStyle>
@@ -259,7 +260,7 @@
   </p:defaultTextStyle>
   <p:extLst>
     <p:ext uri="http://customooxmlschemas.google.com/">
-      <go:slidesCustomData xmlns:go="http://customooxmlschemas.google.com/" r:id="rId17" roundtripDataSignature="AMtx7mgZjnFbDxGguwQdUGF4+EFCc8Sbbg=="/>
+      <go:slidesCustomData xmlns:go="http://customooxmlschemas.google.com/" r:id="rId18" roundtripDataSignature="AMtx7mhFUuSCzFfhQxdKKsWHQOoTwAQL2A=="/>
     </p:ext>
   </p:extLst>
 </p:presentation>
@@ -1725,56 +1726,7 @@
               <a:buNone/>
             </a:pPr>
             <a:r>
-              <a:rPr lang="en-US"/>
-              <a:t>smart art to be changed. </a:t>
-            </a:r>
-            <a:endParaRPr/>
-          </a:p>
-          <a:p>
-            <a:pPr indent="0" lvl="0" marL="0" rtl="0" algn="l">
-              <a:spcBef>
-                <a:spcPts val="0"/>
-              </a:spcBef>
-              <a:spcAft>
-                <a:spcPts val="0"/>
-              </a:spcAft>
-              <a:buNone/>
-            </a:pPr>
-            <a:r>
-              <a:rPr lang="en-US"/>
-              <a:t>background</a:t>
-            </a:r>
-            <a:r>
-              <a:rPr lang="en-US"/>
-              <a:t> color can be changed from off white to white- template from </a:t>
-            </a:r>
-            <a:r>
-              <a:rPr lang="en-US"/>
-              <a:t>office 365</a:t>
-            </a:r>
-            <a:endParaRPr/>
-          </a:p>
-          <a:p>
-            <a:pPr indent="0" lvl="0" marL="0" rtl="0" algn="l">
-              <a:spcBef>
-                <a:spcPts val="0"/>
-              </a:spcBef>
-              <a:spcAft>
-                <a:spcPts val="0"/>
-              </a:spcAft>
-              <a:buNone/>
-            </a:pPr>
-            <a:r>
-              <a:rPr lang="en-US"/>
-              <a:t>This slide should </a:t>
-            </a:r>
-            <a:r>
-              <a:rPr lang="en-US"/>
-              <a:t>explain</a:t>
-            </a:r>
-            <a:r>
-              <a:rPr lang="en-US"/>
-              <a:t> what we were looking to achieve. What questions we are trying to answer and the data we selected. </a:t>
+              <a:t/>
             </a:r>
             <a:endParaRPr/>
           </a:p>
@@ -1927,7 +1879,7 @@
   <p:cSld>
     <p:spTree>
       <p:nvGrpSpPr>
-        <p:cNvPr id="158" name="Shape 158"/>
+        <p:cNvPr id="159" name="Shape 159"/>
         <p:cNvGrpSpPr/>
         <p:nvPr/>
       </p:nvGrpSpPr>
@@ -1941,7 +1893,7 @@
       </p:grpSpPr>
       <p:sp>
         <p:nvSpPr>
-          <p:cNvPr id="159" name="Google Shape;159;p6:notes"/>
+          <p:cNvPr id="160" name="Google Shape;160;p6:notes"/>
           <p:cNvSpPr txBox="1"/>
           <p:nvPr>
             <p:ph idx="1" type="body"/>
@@ -1972,24 +1924,7 @@
               <a:buNone/>
             </a:pPr>
             <a:r>
-              <a:rPr lang="en-US"/>
-              <a:t>explain what can be done</a:t>
-            </a:r>
-            <a:endParaRPr/>
-          </a:p>
-          <a:p>
-            <a:pPr indent="0" lvl="0" marL="0" rtl="0" algn="l">
-              <a:spcBef>
-                <a:spcPts val="0"/>
-              </a:spcBef>
-              <a:spcAft>
-                <a:spcPts val="0"/>
-              </a:spcAft>
-              <a:buNone/>
-            </a:pPr>
-            <a:r>
-              <a:rPr lang="en-US"/>
-              <a:t>screenshot of dashboard</a:t>
+              <a:t/>
             </a:r>
             <a:endParaRPr/>
           </a:p>
@@ -2012,7 +1947,7 @@
       </p:sp>
       <p:sp>
         <p:nvSpPr>
-          <p:cNvPr id="160" name="Google Shape;160;p6:notes"/>
+          <p:cNvPr id="161" name="Google Shape;161;p6:notes"/>
           <p:cNvSpPr/>
           <p:nvPr>
             <p:ph idx="2" type="sldImg"/>
@@ -2058,7 +1993,7 @@
   <p:cSld>
     <p:spTree>
       <p:nvGrpSpPr>
-        <p:cNvPr id="164" name="Shape 164"/>
+        <p:cNvPr id="167" name="Shape 167"/>
         <p:cNvGrpSpPr/>
         <p:nvPr/>
       </p:nvGrpSpPr>
@@ -2072,7 +2007,7 @@
       </p:grpSpPr>
       <p:sp>
         <p:nvSpPr>
-          <p:cNvPr id="165" name="Google Shape;165;g10db3954a93_0_11:notes"/>
+          <p:cNvPr id="168" name="Google Shape;168;g10db3954a93_0_11:notes"/>
           <p:cNvSpPr/>
           <p:nvPr>
             <p:ph idx="2" type="sldImg"/>
@@ -2107,7 +2042,7 @@
       </p:sp>
       <p:sp>
         <p:nvSpPr>
-          <p:cNvPr id="166" name="Google Shape;166;g10db3954a93_0_11:notes"/>
+          <p:cNvPr id="169" name="Google Shape;169;g10db3954a93_0_11:notes"/>
           <p:cNvSpPr txBox="1"/>
           <p:nvPr>
             <p:ph idx="1" type="body"/>
@@ -2146,7 +2081,7 @@
       </p:sp>
       <p:sp>
         <p:nvSpPr>
-          <p:cNvPr id="167" name="Google Shape;167;g10db3954a93_0_11:notes"/>
+          <p:cNvPr id="170" name="Google Shape;170;g10db3954a93_0_11:notes"/>
           <p:cNvSpPr txBox="1"/>
           <p:nvPr>
             <p:ph idx="12" type="sldNum"/>
@@ -2201,7 +2136,7 @@
   <p:cSld>
     <p:spTree>
       <p:nvGrpSpPr>
-        <p:cNvPr id="171" name="Shape 171"/>
+        <p:cNvPr id="176" name="Shape 176"/>
         <p:cNvGrpSpPr/>
         <p:nvPr/>
       </p:nvGrpSpPr>
@@ -2215,7 +2150,7 @@
       </p:grpSpPr>
       <p:sp>
         <p:nvSpPr>
-          <p:cNvPr id="172" name="Google Shape;172;p7:notes"/>
+          <p:cNvPr id="177" name="Google Shape;177;p7:notes"/>
           <p:cNvSpPr txBox="1"/>
           <p:nvPr>
             <p:ph idx="1" type="body"/>
@@ -2255,7 +2190,7 @@
       </p:sp>
       <p:sp>
         <p:nvSpPr>
-          <p:cNvPr id="173" name="Google Shape;173;p7:notes"/>
+          <p:cNvPr id="178" name="Google Shape;178;p7:notes"/>
           <p:cNvSpPr/>
           <p:nvPr>
             <p:ph idx="2" type="sldImg"/>
@@ -2301,7 +2236,7 @@
   <p:cSld>
     <p:spTree>
       <p:nvGrpSpPr>
-        <p:cNvPr id="177" name="Shape 177"/>
+        <p:cNvPr id="182" name="Shape 182"/>
         <p:cNvGrpSpPr/>
         <p:nvPr/>
       </p:nvGrpSpPr>
@@ -2315,7 +2250,7 @@
       </p:grpSpPr>
       <p:sp>
         <p:nvSpPr>
-          <p:cNvPr id="178" name="Google Shape;178;g10db3954a93_0_23:notes"/>
+          <p:cNvPr id="183" name="Google Shape;183;g10e6c0dcf75_10_0:notes"/>
           <p:cNvSpPr/>
           <p:nvPr>
             <p:ph idx="2" type="sldImg"/>
@@ -2350,7 +2285,7 @@
       </p:sp>
       <p:sp>
         <p:nvSpPr>
-          <p:cNvPr id="179" name="Google Shape;179;g10db3954a93_0_23:notes"/>
+          <p:cNvPr id="184" name="Google Shape;184;g10e6c0dcf75_10_0:notes"/>
           <p:cNvSpPr txBox="1"/>
           <p:nvPr>
             <p:ph idx="1" type="body"/>
@@ -2389,7 +2324,150 @@
       </p:sp>
       <p:sp>
         <p:nvSpPr>
-          <p:cNvPr id="180" name="Google Shape;180;g10db3954a93_0_23:notes"/>
+          <p:cNvPr id="185" name="Google Shape;185;g10e6c0dcf75_10_0:notes"/>
+          <p:cNvSpPr txBox="1"/>
+          <p:nvPr>
+            <p:ph idx="12" type="sldNum"/>
+          </p:nvPr>
+        </p:nvSpPr>
+        <p:spPr>
+          <a:xfrm>
+            <a:off x="3884613" y="8685213"/>
+            <a:ext cx="2971800" cy="458700"/>
+          </a:xfrm>
+          <a:prstGeom prst="rect">
+            <a:avLst/>
+          </a:prstGeom>
+        </p:spPr>
+        <p:txBody>
+          <a:bodyPr anchorCtr="0" anchor="b" bIns="45700" lIns="91425" spcFirstLastPara="1" rIns="91425" wrap="square" tIns="45700">
+            <a:noAutofit/>
+          </a:bodyPr>
+          <a:lstStyle/>
+          <a:p>
+            <a:pPr indent="0" lvl="0" marL="0" rtl="0" algn="r">
+              <a:spcBef>
+                <a:spcPts val="0"/>
+              </a:spcBef>
+              <a:spcAft>
+                <a:spcPts val="0"/>
+              </a:spcAft>
+              <a:buClr>
+                <a:srgbClr val="000000"/>
+              </a:buClr>
+              <a:buFont typeface="Arial"/>
+              <a:buNone/>
+            </a:pPr>
+            <a:fld id="{00000000-1234-1234-1234-123412341234}" type="slidenum">
+              <a:rPr lang="en-US"/>
+              <a:t>‹#›</a:t>
+            </a:fld>
+            <a:endParaRPr/>
+          </a:p>
+        </p:txBody>
+      </p:sp>
+    </p:spTree>
+  </p:cSld>
+  <p:clrMapOvr>
+    <a:masterClrMapping/>
+  </p:clrMapOvr>
+</p:notes>
+</file>
+
+<file path=ppt/notesSlides/notesSlide9.xml><?xml version="1.0" encoding="utf-8"?>
+<p:notes xmlns:a="http://schemas.openxmlformats.org/drawingml/2006/main" xmlns:r="http://schemas.openxmlformats.org/officeDocument/2006/relationships" xmlns:mc="http://schemas.openxmlformats.org/markup-compatibility/2006" xmlns:mv="urn:schemas-microsoft-com:mac:vml" xmlns:p="http://schemas.openxmlformats.org/presentationml/2006/main" xmlns:c="http://schemas.openxmlformats.org/drawingml/2006/chart" xmlns:dgm="http://schemas.openxmlformats.org/drawingml/2006/diagram" xmlns:o="urn:schemas-microsoft-com:office:office" xmlns:v="urn:schemas-microsoft-com:vml" xmlns:pvml="urn:schemas-microsoft-com:office:powerpoint" xmlns:com="http://schemas.openxmlformats.org/drawingml/2006/compatibility" xmlns:p14="http://schemas.microsoft.com/office/powerpoint/2010/main" xmlns:p15="http://schemas.microsoft.com/office/powerpoint/2012/main" xmlns:ahyp="http://schemas.microsoft.com/office/drawing/2018/hyperlinkcolor" showMasterPhAnim="0" showMasterSp="0">
+  <p:cSld>
+    <p:spTree>
+      <p:nvGrpSpPr>
+        <p:cNvPr id="192" name="Shape 192"/>
+        <p:cNvGrpSpPr/>
+        <p:nvPr/>
+      </p:nvGrpSpPr>
+      <p:grpSpPr>
+        <a:xfrm>
+          <a:off x="0" y="0"/>
+          <a:ext cx="0" cy="0"/>
+          <a:chOff x="0" y="0"/>
+          <a:chExt cx="0" cy="0"/>
+        </a:xfrm>
+      </p:grpSpPr>
+      <p:sp>
+        <p:nvSpPr>
+          <p:cNvPr id="193" name="Google Shape;193;g10db3954a93_0_23:notes"/>
+          <p:cNvSpPr/>
+          <p:nvPr>
+            <p:ph idx="2" type="sldImg"/>
+          </p:nvPr>
+        </p:nvSpPr>
+        <p:spPr>
+          <a:xfrm>
+            <a:off x="685800" y="1143000"/>
+            <a:ext cx="5486400" cy="3086100"/>
+          </a:xfrm>
+          <a:custGeom>
+            <a:rect b="b" l="l" r="r" t="t"/>
+            <a:pathLst>
+              <a:path extrusionOk="0" h="120000" w="120000">
+                <a:moveTo>
+                  <a:pt x="0" y="0"/>
+                </a:moveTo>
+                <a:lnTo>
+                  <a:pt x="120000" y="0"/>
+                </a:lnTo>
+                <a:lnTo>
+                  <a:pt x="120000" y="120000"/>
+                </a:lnTo>
+                <a:lnTo>
+                  <a:pt x="0" y="120000"/>
+                </a:lnTo>
+                <a:close/>
+              </a:path>
+            </a:pathLst>
+          </a:custGeom>
+        </p:spPr>
+      </p:sp>
+      <p:sp>
+        <p:nvSpPr>
+          <p:cNvPr id="194" name="Google Shape;194;g10db3954a93_0_23:notes"/>
+          <p:cNvSpPr txBox="1"/>
+          <p:nvPr>
+            <p:ph idx="1" type="body"/>
+          </p:nvPr>
+        </p:nvSpPr>
+        <p:spPr>
+          <a:xfrm>
+            <a:off x="685800" y="4400550"/>
+            <a:ext cx="5486400" cy="3600600"/>
+          </a:xfrm>
+          <a:prstGeom prst="rect">
+            <a:avLst/>
+          </a:prstGeom>
+        </p:spPr>
+        <p:txBody>
+          <a:bodyPr anchorCtr="0" anchor="t" bIns="45700" lIns="91425" spcFirstLastPara="1" rIns="91425" wrap="square" tIns="45700">
+            <a:noAutofit/>
+          </a:bodyPr>
+          <a:lstStyle/>
+          <a:p>
+            <a:pPr indent="0" lvl="0" marL="0" rtl="0" algn="l">
+              <a:spcBef>
+                <a:spcPts val="0"/>
+              </a:spcBef>
+              <a:spcAft>
+                <a:spcPts val="0"/>
+              </a:spcAft>
+              <a:buNone/>
+            </a:pPr>
+            <a:r>
+              <a:t/>
+            </a:r>
+            <a:endParaRPr/>
+          </a:p>
+        </p:txBody>
+      </p:sp>
+      <p:sp>
+        <p:nvSpPr>
+          <p:cNvPr id="195" name="Google Shape;195;g10db3954a93_0_23:notes"/>
           <p:cNvSpPr txBox="1"/>
           <p:nvPr>
             <p:ph idx="12" type="sldNum"/>
@@ -13656,7 +13734,11 @@
               </a:rPr>
               <a:t>Project 3 - Group 7 </a:t>
             </a:r>
-            <a:endParaRPr/>
+            <a:endParaRPr sz="1800">
+              <a:solidFill>
+                <a:srgbClr val="FFFFFF"/>
+              </a:solidFill>
+            </a:endParaRPr>
           </a:p>
         </p:txBody>
       </p:sp>
@@ -14072,7 +14154,7 @@
         </p:spPr>
         <p:txBody>
           <a:bodyPr anchorCtr="0" anchor="t" bIns="45700" lIns="91425" spcFirstLastPara="1" rIns="91425" wrap="square" tIns="45700">
-            <a:normAutofit/>
+            <a:normAutofit lnSpcReduction="10000"/>
           </a:bodyPr>
           <a:lstStyle/>
           <a:p>
@@ -14125,7 +14207,7 @@
             <a:endParaRPr/>
           </a:p>
           <a:p>
-            <a:pPr indent="-342900" lvl="0" marL="457200" rtl="0" algn="l">
+            <a:pPr indent="-336550" lvl="0" marL="457200" rtl="0" algn="l">
               <a:lnSpc>
                 <a:spcPct val="94000"/>
               </a:lnSpc>
@@ -14135,25 +14217,17 @@
               <a:spcAft>
                 <a:spcPts val="0"/>
               </a:spcAft>
-              <a:buSzPts val="1800"/>
+              <a:buSzPts val="1700"/>
               <a:buChar char="●"/>
             </a:pPr>
             <a:r>
-              <a:rPr lang="en-US"/>
-              <a:t>Connection between Institutional Economic Data and </a:t>
+              <a:rPr lang="en-US" sz="1900"/>
+              <a:t>How is the Economy?</a:t>
             </a:r>
-            <a:r>
-              <a:rPr lang="en-US"/>
-              <a:t>Individual Economic</a:t>
-            </a:r>
-            <a:r>
-              <a:rPr lang="en-US"/>
-              <a:t> Data</a:t>
-            </a:r>
-            <a:endParaRPr/>
+            <a:endParaRPr sz="1900"/>
           </a:p>
           <a:p>
-            <a:pPr indent="-257048" lvl="0" marL="384048" rtl="0" algn="l">
+            <a:pPr indent="0" lvl="0" marL="457200" rtl="0" algn="l">
               <a:lnSpc>
                 <a:spcPct val="94000"/>
               </a:lnSpc>
@@ -14163,19 +14237,15 @@
               <a:spcAft>
                 <a:spcPts val="0"/>
               </a:spcAft>
-              <a:buClr>
-                <a:schemeClr val="dk2"/>
-              </a:buClr>
-              <a:buSzPts val="2000"/>
               <a:buNone/>
             </a:pPr>
             <a:r>
               <a:t/>
             </a:r>
-            <a:endParaRPr/>
+            <a:endParaRPr sz="1900"/>
           </a:p>
           <a:p>
-            <a:pPr indent="-342900" lvl="0" marL="457200" rtl="0" algn="l">
+            <a:pPr indent="-336550" lvl="0" marL="457200" rtl="0" algn="l">
               <a:lnSpc>
                 <a:spcPct val="94000"/>
               </a:lnSpc>
@@ -14185,22 +14255,72 @@
               <a:spcAft>
                 <a:spcPts val="0"/>
               </a:spcAft>
-              <a:buSzPts val="1800"/>
+              <a:buSzPts val="1700"/>
               <a:buChar char="●"/>
             </a:pPr>
             <a:r>
-              <a:rPr lang="en-US"/>
-              <a:t>Big </a:t>
+              <a:rPr lang="en-US" sz="1900"/>
+              <a:t>Connection between Institutional Economic Data and </a:t>
             </a:r>
             <a:r>
-              <a:rPr lang="en-US"/>
-              <a:t>Business</a:t>
+              <a:rPr lang="en-US" sz="1900"/>
+              <a:t>Individual Economic</a:t>
             </a:r>
             <a:r>
-              <a:rPr lang="en-US"/>
+              <a:rPr lang="en-US" sz="1900"/>
+              <a:t> Data</a:t>
+            </a:r>
+            <a:endParaRPr sz="1900"/>
+          </a:p>
+          <a:p>
+            <a:pPr indent="-257048" lvl="0" marL="384048" rtl="0" algn="l">
+              <a:lnSpc>
+                <a:spcPct val="94000"/>
+              </a:lnSpc>
+              <a:spcBef>
+                <a:spcPts val="0"/>
+              </a:spcBef>
+              <a:spcAft>
+                <a:spcPts val="0"/>
+              </a:spcAft>
+              <a:buClr>
+                <a:schemeClr val="dk2"/>
+              </a:buClr>
+              <a:buSzPts val="2000"/>
+              <a:buNone/>
+            </a:pPr>
+            <a:r>
+              <a:t/>
+            </a:r>
+            <a:endParaRPr sz="1900"/>
+          </a:p>
+          <a:p>
+            <a:pPr indent="-336550" lvl="0" marL="457200" rtl="0" algn="l">
+              <a:lnSpc>
+                <a:spcPct val="94000"/>
+              </a:lnSpc>
+              <a:spcBef>
+                <a:spcPts val="0"/>
+              </a:spcBef>
+              <a:spcAft>
+                <a:spcPts val="0"/>
+              </a:spcAft>
+              <a:buSzPts val="1700"/>
+              <a:buChar char="●"/>
+            </a:pPr>
+            <a:r>
+              <a:rPr lang="en-US" sz="1900"/>
+              <a:t>“Big </a:t>
+            </a:r>
+            <a:r>
+              <a:rPr lang="en-US" sz="1900"/>
+              <a:t>Business”</a:t>
+            </a:r>
+            <a:r>
+              <a:rPr lang="en-US" sz="1900"/>
               <a:t> vs the Average Person</a:t>
             </a:r>
-            <a:endParaRPr/>
+            <a:endParaRPr sz="1900"/>
           </a:p>
         </p:txBody>
       </p:sp>
@@ -14754,7 +14874,7 @@
             </a:pPr>
             <a:r>
               <a:rPr lang="en-US"/>
-              <a:t>API links to Data</a:t>
+              <a:t>Link to API Service</a:t>
             </a:r>
             <a:endParaRPr/>
           </a:p>
@@ -15467,51 +15587,54 @@
           <p:nvPr/>
         </p:nvSpPr>
         <p:spPr>
-          <a:xfrm rot="588073">
-            <a:off x="7242017" y="383033"/>
-            <a:ext cx="3944066" cy="4617785"/>
+          <a:xfrm rot="-485365">
+            <a:off x="6826531" y="766230"/>
+            <a:ext cx="3944045" cy="3366791"/>
           </a:xfrm>
           <a:custGeom>
             <a:rect b="b" l="l" r="r" t="t"/>
             <a:pathLst>
               <a:path extrusionOk="0" h="120000" w="120000">
                 <a:moveTo>
-                  <a:pt x="8194" y="34872"/>
+                  <a:pt x="11908" y="28007"/>
                 </a:moveTo>
+                <a:lnTo>
+                  <a:pt x="11908" y="28007"/>
+                </a:lnTo>
                 <a:cubicBezTo>
-                  <a:pt x="17335" y="15788"/>
-                  <a:pt x="36107" y="3255"/>
-                  <a:pt x="57133" y="2199"/>
+                  <a:pt x="22002" y="13025"/>
+                  <a:pt x="38581" y="3614"/>
+                  <a:pt x="56695" y="2584"/>
                 </a:cubicBezTo>
                 <a:cubicBezTo>
-                  <a:pt x="78159" y="1143"/>
-                  <a:pt x="98078" y="11733"/>
-                  <a:pt x="109062" y="29806"/>
+                  <a:pt x="74809" y="1555"/>
+                  <a:pt x="92360" y="9026"/>
+                  <a:pt x="104107" y="22766"/>
                 </a:cubicBezTo>
                 <a:lnTo>
-                  <a:pt x="111231" y="28754"/>
+                  <a:pt x="105907" y="21568"/>
                 </a:lnTo>
                 <a:lnTo>
-                  <a:pt x="110171" y="35665"/>
+                  <a:pt x="106693" y="28937"/>
                 </a:lnTo>
                 <a:lnTo>
-                  <a:pt x="103651" y="32431"/>
+                  <a:pt x="99436" y="25873"/>
                 </a:lnTo>
                 <a:lnTo>
-                  <a:pt x="105820" y="31379"/>
+                  <a:pt x="101233" y="24678"/>
                 </a:lnTo>
                 <a:lnTo>
-                  <a:pt x="105820" y="31379"/>
+                  <a:pt x="101233" y="24678"/>
                 </a:lnTo>
                 <a:cubicBezTo>
-                  <a:pt x="95506" y="14305"/>
-                  <a:pt x="76835" y="4335"/>
-                  <a:pt x="57157" y="5394"/>
+                  <a:pt x="90081" y="12090"/>
+                  <a:pt x="73616" y="5309"/>
+                  <a:pt x="56670" y="6326"/>
                 </a:cubicBezTo>
                 <a:cubicBezTo>
-                  <a:pt x="37480" y="6454"/>
-                  <a:pt x="19948" y="18373"/>
-                  <a:pt x="11465" y="36459"/>
+                  <a:pt x="39724" y="7343"/>
+                  <a:pt x="24220" y="16041"/>
+                  <a:pt x="14707" y="29868"/>
                 </a:cubicBezTo>
                 <a:close/>
               </a:path>
@@ -15657,13 +15780,579 @@
       <p:sp>
         <p:nvSpPr>
           <p:cNvPr id="140" name="Google Shape;140;p3"/>
+          <p:cNvSpPr txBox="1"/>
+          <p:nvPr/>
+        </p:nvSpPr>
+        <p:spPr>
+          <a:xfrm>
+            <a:off x="1727025" y="4910100"/>
+            <a:ext cx="2285100" cy="738900"/>
+          </a:xfrm>
+          <a:prstGeom prst="rect">
+            <a:avLst/>
+          </a:prstGeom>
+          <a:noFill/>
+          <a:ln>
+            <a:noFill/>
+          </a:ln>
+        </p:spPr>
+        <p:txBody>
+          <a:bodyPr anchorCtr="0" anchor="t" bIns="91425" lIns="91425" spcFirstLastPara="1" rIns="91425" wrap="square" tIns="91425">
+            <a:spAutoFit/>
+          </a:bodyPr>
+          <a:lstStyle/>
+          <a:p>
+            <a:pPr indent="0" lvl="0" marL="0" rtl="0" algn="ctr">
+              <a:spcBef>
+                <a:spcPts val="0"/>
+              </a:spcBef>
+              <a:spcAft>
+                <a:spcPts val="0"/>
+              </a:spcAft>
+              <a:buNone/>
+            </a:pPr>
+            <a:r>
+              <a:rPr b="1" lang="en-US" sz="3600">
+                <a:latin typeface="Libre Franklin"/>
+                <a:ea typeface="Libre Franklin"/>
+                <a:cs typeface="Libre Franklin"/>
+                <a:sym typeface="Libre Franklin"/>
+              </a:rPr>
+              <a:t>Extract</a:t>
+            </a:r>
+            <a:endParaRPr b="1" sz="3600">
+              <a:latin typeface="Libre Franklin"/>
+              <a:ea typeface="Libre Franklin"/>
+              <a:cs typeface="Libre Franklin"/>
+              <a:sym typeface="Libre Franklin"/>
+            </a:endParaRPr>
+          </a:p>
+        </p:txBody>
+      </p:sp>
+      <p:sp>
+        <p:nvSpPr>
+          <p:cNvPr id="141" name="Google Shape;141;p3"/>
+          <p:cNvSpPr txBox="1"/>
+          <p:nvPr/>
+        </p:nvSpPr>
+        <p:spPr>
+          <a:xfrm>
+            <a:off x="5596800" y="1661400"/>
+            <a:ext cx="2572200" cy="738900"/>
+          </a:xfrm>
+          <a:prstGeom prst="rect">
+            <a:avLst/>
+          </a:prstGeom>
+          <a:noFill/>
+          <a:ln>
+            <a:noFill/>
+          </a:ln>
+        </p:spPr>
+        <p:txBody>
+          <a:bodyPr anchorCtr="0" anchor="t" bIns="91425" lIns="91425" spcFirstLastPara="1" rIns="91425" wrap="square" tIns="91425">
+            <a:spAutoFit/>
+          </a:bodyPr>
+          <a:lstStyle/>
+          <a:p>
+            <a:pPr indent="0" lvl="0" marL="0" rtl="0" algn="ctr">
+              <a:spcBef>
+                <a:spcPts val="0"/>
+              </a:spcBef>
+              <a:spcAft>
+                <a:spcPts val="0"/>
+              </a:spcAft>
+              <a:buNone/>
+            </a:pPr>
+            <a:r>
+              <a:rPr b="1" lang="en-US" sz="3600">
+                <a:latin typeface="Libre Franklin"/>
+                <a:ea typeface="Libre Franklin"/>
+                <a:cs typeface="Libre Franklin"/>
+                <a:sym typeface="Libre Franklin"/>
+              </a:rPr>
+              <a:t>Transform</a:t>
+            </a:r>
+            <a:endParaRPr b="1" sz="3600">
+              <a:latin typeface="Libre Franklin"/>
+              <a:ea typeface="Libre Franklin"/>
+              <a:cs typeface="Libre Franklin"/>
+              <a:sym typeface="Libre Franklin"/>
+            </a:endParaRPr>
+          </a:p>
+        </p:txBody>
+      </p:sp>
+      <p:sp>
+        <p:nvSpPr>
+          <p:cNvPr id="142" name="Google Shape;142;p3"/>
+          <p:cNvSpPr txBox="1"/>
+          <p:nvPr/>
+        </p:nvSpPr>
+        <p:spPr>
+          <a:xfrm>
+            <a:off x="4841025" y="2480200"/>
+            <a:ext cx="3432000" cy="2678100"/>
+          </a:xfrm>
+          <a:prstGeom prst="rect">
+            <a:avLst/>
+          </a:prstGeom>
+          <a:noFill/>
+          <a:ln>
+            <a:noFill/>
+          </a:ln>
+        </p:spPr>
+        <p:txBody>
+          <a:bodyPr anchorCtr="0" anchor="t" bIns="91425" lIns="91425" spcFirstLastPara="1" rIns="91425" wrap="square" tIns="91425">
+            <a:spAutoFit/>
+          </a:bodyPr>
+          <a:lstStyle/>
+          <a:p>
+            <a:pPr indent="-342900" lvl="0" marL="457200" rtl="0" algn="l">
+              <a:spcBef>
+                <a:spcPts val="0"/>
+              </a:spcBef>
+              <a:spcAft>
+                <a:spcPts val="0"/>
+              </a:spcAft>
+              <a:buSzPts val="1800"/>
+              <a:buFont typeface="Libre Franklin"/>
+              <a:buChar char="●"/>
+            </a:pPr>
+            <a:r>
+              <a:rPr lang="en-US" sz="1800">
+                <a:latin typeface="Libre Franklin"/>
+                <a:ea typeface="Libre Franklin"/>
+                <a:cs typeface="Libre Franklin"/>
+                <a:sym typeface="Libre Franklin"/>
+              </a:rPr>
+              <a:t>Read csv files in Pandas</a:t>
+            </a:r>
+            <a:endParaRPr sz="1800">
+              <a:latin typeface="Libre Franklin"/>
+              <a:ea typeface="Libre Franklin"/>
+              <a:cs typeface="Libre Franklin"/>
+              <a:sym typeface="Libre Franklin"/>
+            </a:endParaRPr>
+          </a:p>
+          <a:p>
+            <a:pPr indent="-342900" lvl="0" marL="457200" rtl="0" algn="l">
+              <a:spcBef>
+                <a:spcPts val="0"/>
+              </a:spcBef>
+              <a:spcAft>
+                <a:spcPts val="0"/>
+              </a:spcAft>
+              <a:buSzPts val="1800"/>
+              <a:buFont typeface="Libre Franklin"/>
+              <a:buChar char="●"/>
+            </a:pPr>
+            <a:r>
+              <a:rPr lang="en-US" sz="1800">
+                <a:latin typeface="Libre Franklin"/>
+                <a:ea typeface="Libre Franklin"/>
+                <a:cs typeface="Libre Franklin"/>
+                <a:sym typeface="Libre Franklin"/>
+              </a:rPr>
+              <a:t>Convert format of Date column</a:t>
+            </a:r>
+            <a:endParaRPr sz="1800">
+              <a:latin typeface="Libre Franklin"/>
+              <a:ea typeface="Libre Franklin"/>
+              <a:cs typeface="Libre Franklin"/>
+              <a:sym typeface="Libre Franklin"/>
+            </a:endParaRPr>
+          </a:p>
+          <a:p>
+            <a:pPr indent="-342900" lvl="0" marL="457200" rtl="0" algn="l">
+              <a:spcBef>
+                <a:spcPts val="0"/>
+              </a:spcBef>
+              <a:spcAft>
+                <a:spcPts val="0"/>
+              </a:spcAft>
+              <a:buSzPts val="1800"/>
+              <a:buFont typeface="Libre Franklin"/>
+              <a:buChar char="●"/>
+            </a:pPr>
+            <a:r>
+              <a:rPr lang="en-US" sz="1800">
+                <a:latin typeface="Libre Franklin"/>
+                <a:ea typeface="Libre Franklin"/>
+                <a:cs typeface="Libre Franklin"/>
+                <a:sym typeface="Libre Franklin"/>
+              </a:rPr>
+              <a:t>Filter rows to only include 5 years of data</a:t>
+            </a:r>
+            <a:endParaRPr sz="1800">
+              <a:latin typeface="Libre Franklin"/>
+              <a:ea typeface="Libre Franklin"/>
+              <a:cs typeface="Libre Franklin"/>
+              <a:sym typeface="Libre Franklin"/>
+            </a:endParaRPr>
+          </a:p>
+          <a:p>
+            <a:pPr indent="-342900" lvl="0" marL="457200" rtl="0" algn="l">
+              <a:spcBef>
+                <a:spcPts val="0"/>
+              </a:spcBef>
+              <a:spcAft>
+                <a:spcPts val="0"/>
+              </a:spcAft>
+              <a:buSzPts val="1800"/>
+              <a:buFont typeface="Libre Franklin"/>
+              <a:buChar char="●"/>
+            </a:pPr>
+            <a:r>
+              <a:rPr lang="en-US" sz="1800">
+                <a:latin typeface="Libre Franklin"/>
+                <a:ea typeface="Libre Franklin"/>
+                <a:cs typeface="Libre Franklin"/>
+                <a:sym typeface="Libre Franklin"/>
+              </a:rPr>
+              <a:t>Calculate difference of values and add column</a:t>
+            </a:r>
+            <a:endParaRPr sz="1800">
+              <a:latin typeface="Libre Franklin"/>
+              <a:ea typeface="Libre Franklin"/>
+              <a:cs typeface="Libre Franklin"/>
+              <a:sym typeface="Libre Franklin"/>
+            </a:endParaRPr>
+          </a:p>
+          <a:p>
+            <a:pPr indent="-342900" lvl="0" marL="457200" rtl="0" algn="l">
+              <a:spcBef>
+                <a:spcPts val="0"/>
+              </a:spcBef>
+              <a:spcAft>
+                <a:spcPts val="0"/>
+              </a:spcAft>
+              <a:buSzPts val="1800"/>
+              <a:buFont typeface="Libre Franklin"/>
+              <a:buChar char="●"/>
+            </a:pPr>
+            <a:r>
+              <a:rPr lang="en-US" sz="1800">
+                <a:latin typeface="Libre Franklin"/>
+                <a:ea typeface="Libre Franklin"/>
+                <a:cs typeface="Libre Franklin"/>
+                <a:sym typeface="Libre Franklin"/>
+              </a:rPr>
+              <a:t>Create new csv files for monthly average formula</a:t>
+            </a:r>
+            <a:endParaRPr sz="1800">
+              <a:latin typeface="Libre Franklin"/>
+              <a:ea typeface="Libre Franklin"/>
+              <a:cs typeface="Libre Franklin"/>
+              <a:sym typeface="Libre Franklin"/>
+            </a:endParaRPr>
+          </a:p>
+        </p:txBody>
+      </p:sp>
+      <p:grpSp>
+        <p:nvGrpSpPr>
+          <p:cNvPr id="143" name="Google Shape;143;p3"/>
+          <p:cNvGrpSpPr/>
+          <p:nvPr/>
+        </p:nvGrpSpPr>
+        <p:grpSpPr>
+          <a:xfrm>
+            <a:off x="956077" y="804889"/>
+            <a:ext cx="3432080" cy="3893678"/>
+            <a:chOff x="727600" y="3485800"/>
+            <a:chExt cx="2112049" cy="2907900"/>
+          </a:xfrm>
+        </p:grpSpPr>
+        <p:pic>
+          <p:nvPicPr>
+            <p:cNvPr id="144" name="Google Shape;144;p3"/>
+            <p:cNvPicPr preferRelativeResize="0"/>
+            <p:nvPr/>
+          </p:nvPicPr>
+          <p:blipFill>
+            <a:blip r:embed="rId3">
+              <a:alphaModFix/>
+            </a:blip>
+            <a:stretch>
+              <a:fillRect/>
+            </a:stretch>
+          </p:blipFill>
+          <p:spPr>
+            <a:xfrm>
+              <a:off x="727600" y="3485800"/>
+              <a:ext cx="868060" cy="491350"/>
+            </a:xfrm>
+            <a:prstGeom prst="rect">
+              <a:avLst/>
+            </a:prstGeom>
+            <a:noFill/>
+            <a:ln>
+              <a:noFill/>
+            </a:ln>
+          </p:spPr>
+        </p:pic>
+        <p:pic>
+          <p:nvPicPr>
+            <p:cNvPr id="145" name="Google Shape;145;p3"/>
+            <p:cNvPicPr preferRelativeResize="0"/>
+            <p:nvPr/>
+          </p:nvPicPr>
+          <p:blipFill>
+            <a:blip r:embed="rId4">
+              <a:alphaModFix/>
+            </a:blip>
+            <a:stretch>
+              <a:fillRect/>
+            </a:stretch>
+          </p:blipFill>
+          <p:spPr>
+            <a:xfrm>
+              <a:off x="740421" y="5039861"/>
+              <a:ext cx="616917" cy="616914"/>
+            </a:xfrm>
+            <a:prstGeom prst="rect">
+              <a:avLst/>
+            </a:prstGeom>
+            <a:noFill/>
+            <a:ln>
+              <a:noFill/>
+            </a:ln>
+          </p:spPr>
+        </p:pic>
+        <p:pic>
+          <p:nvPicPr>
+            <p:cNvPr id="146" name="Google Shape;146;p3"/>
+            <p:cNvPicPr preferRelativeResize="0"/>
+            <p:nvPr/>
+          </p:nvPicPr>
+          <p:blipFill>
+            <a:blip r:embed="rId5">
+              <a:alphaModFix/>
+            </a:blip>
+            <a:stretch>
+              <a:fillRect/>
+            </a:stretch>
+          </p:blipFill>
+          <p:spPr>
+            <a:xfrm>
+              <a:off x="746803" y="4328277"/>
+              <a:ext cx="616916" cy="616914"/>
+            </a:xfrm>
+            <a:prstGeom prst="rect">
+              <a:avLst/>
+            </a:prstGeom>
+            <a:noFill/>
+            <a:ln>
+              <a:noFill/>
+            </a:ln>
+          </p:spPr>
+        </p:pic>
+        <p:pic>
+          <p:nvPicPr>
+            <p:cNvPr id="147" name="Google Shape;147;p3"/>
+            <p:cNvPicPr preferRelativeResize="0"/>
+            <p:nvPr/>
+          </p:nvPicPr>
+          <p:blipFill>
+            <a:blip r:embed="rId6">
+              <a:alphaModFix/>
+            </a:blip>
+            <a:stretch>
+              <a:fillRect/>
+            </a:stretch>
+          </p:blipFill>
+          <p:spPr>
+            <a:xfrm>
+              <a:off x="727600" y="5725888"/>
+              <a:ext cx="616917" cy="667812"/>
+            </a:xfrm>
+            <a:prstGeom prst="rect">
+              <a:avLst/>
+            </a:prstGeom>
+            <a:noFill/>
+            <a:ln>
+              <a:noFill/>
+            </a:ln>
+          </p:spPr>
+        </p:pic>
+        <p:pic>
+          <p:nvPicPr>
+            <p:cNvPr id="148" name="Google Shape;148;p3"/>
+            <p:cNvPicPr preferRelativeResize="0"/>
+            <p:nvPr/>
+          </p:nvPicPr>
+          <p:blipFill>
+            <a:blip r:embed="rId7">
+              <a:alphaModFix/>
+            </a:blip>
+            <a:stretch>
+              <a:fillRect/>
+            </a:stretch>
+          </p:blipFill>
+          <p:spPr>
+            <a:xfrm>
+              <a:off x="2226614" y="5087139"/>
+              <a:ext cx="613036" cy="376704"/>
+            </a:xfrm>
+            <a:prstGeom prst="rect">
+              <a:avLst/>
+            </a:prstGeom>
+            <a:noFill/>
+            <a:ln>
+              <a:noFill/>
+            </a:ln>
+          </p:spPr>
+        </p:pic>
+        <p:cxnSp>
+          <p:nvCxnSpPr>
+            <p:cNvPr id="149" name="Google Shape;149;p3"/>
+            <p:cNvCxnSpPr>
+              <a:endCxn id="148" idx="1"/>
+            </p:cNvCxnSpPr>
+            <p:nvPr/>
+          </p:nvCxnSpPr>
+          <p:spPr>
+            <a:xfrm>
+              <a:off x="1408214" y="4743291"/>
+              <a:ext cx="818400" cy="532200"/>
+            </a:xfrm>
+            <a:prstGeom prst="straightConnector1">
+              <a:avLst/>
+            </a:prstGeom>
+            <a:noFill/>
+            <a:ln cap="flat" cmpd="sng" w="9525">
+              <a:solidFill>
+                <a:schemeClr val="dk2"/>
+              </a:solidFill>
+              <a:prstDash val="solid"/>
+              <a:round/>
+              <a:headEnd len="med" w="med" type="none"/>
+              <a:tailEnd len="med" w="med" type="none"/>
+            </a:ln>
+          </p:spPr>
+        </p:cxnSp>
+        <p:cxnSp>
+          <p:nvCxnSpPr>
+            <p:cNvPr id="150" name="Google Shape;150;p3"/>
+            <p:cNvCxnSpPr>
+              <a:endCxn id="148" idx="1"/>
+            </p:cNvCxnSpPr>
+            <p:nvPr/>
+          </p:nvCxnSpPr>
+          <p:spPr>
+            <a:xfrm flipH="1" rot="10800000">
+              <a:off x="1357214" y="5275491"/>
+              <a:ext cx="869400" cy="72600"/>
+            </a:xfrm>
+            <a:prstGeom prst="straightConnector1">
+              <a:avLst/>
+            </a:prstGeom>
+            <a:noFill/>
+            <a:ln cap="flat" cmpd="sng" w="9525">
+              <a:solidFill>
+                <a:schemeClr val="dk2"/>
+              </a:solidFill>
+              <a:prstDash val="solid"/>
+              <a:round/>
+              <a:headEnd len="med" w="med" type="none"/>
+              <a:tailEnd len="med" w="med" type="none"/>
+            </a:ln>
+          </p:spPr>
+        </p:cxnSp>
+        <p:cxnSp>
+          <p:nvCxnSpPr>
+            <p:cNvPr id="151" name="Google Shape;151;p3"/>
+            <p:cNvCxnSpPr>
+              <a:endCxn id="148" idx="1"/>
+            </p:cNvCxnSpPr>
+            <p:nvPr/>
+          </p:nvCxnSpPr>
+          <p:spPr>
+            <a:xfrm flipH="1" rot="10800000">
+              <a:off x="1430414" y="5275491"/>
+              <a:ext cx="796200" cy="865200"/>
+            </a:xfrm>
+            <a:prstGeom prst="straightConnector1">
+              <a:avLst/>
+            </a:prstGeom>
+            <a:noFill/>
+            <a:ln cap="flat" cmpd="sng" w="9525">
+              <a:solidFill>
+                <a:schemeClr val="dk2"/>
+              </a:solidFill>
+              <a:prstDash val="solid"/>
+              <a:round/>
+              <a:headEnd len="med" w="med" type="none"/>
+              <a:tailEnd len="med" w="med" type="none"/>
+            </a:ln>
+          </p:spPr>
+        </p:cxnSp>
+        <p:pic>
+          <p:nvPicPr>
+            <p:cNvPr id="152" name="Google Shape;152;p3"/>
+            <p:cNvPicPr preferRelativeResize="0"/>
+            <p:nvPr/>
+          </p:nvPicPr>
+          <p:blipFill>
+            <a:blip r:embed="rId8">
+              <a:alphaModFix/>
+            </a:blip>
+            <a:stretch>
+              <a:fillRect/>
+            </a:stretch>
+          </p:blipFill>
+          <p:spPr>
+            <a:xfrm>
+              <a:off x="2330928" y="3862512"/>
+              <a:ext cx="344139" cy="437347"/>
+            </a:xfrm>
+            <a:prstGeom prst="rect">
+              <a:avLst/>
+            </a:prstGeom>
+            <a:noFill/>
+            <a:ln>
+              <a:noFill/>
+            </a:ln>
+          </p:spPr>
+        </p:pic>
+        <p:cxnSp>
+          <p:nvCxnSpPr>
+            <p:cNvPr id="153" name="Google Shape;153;p3"/>
+            <p:cNvCxnSpPr>
+              <a:stCxn id="144" idx="3"/>
+              <a:endCxn id="152" idx="1"/>
+            </p:cNvCxnSpPr>
+            <p:nvPr/>
+          </p:nvCxnSpPr>
+          <p:spPr>
+            <a:xfrm>
+              <a:off x="1595660" y="3731475"/>
+              <a:ext cx="735300" cy="349800"/>
+            </a:xfrm>
+            <a:prstGeom prst="straightConnector1">
+              <a:avLst/>
+            </a:prstGeom>
+            <a:noFill/>
+            <a:ln cap="flat" cmpd="sng" w="9525">
+              <a:solidFill>
+                <a:schemeClr val="dk2"/>
+              </a:solidFill>
+              <a:prstDash val="solid"/>
+              <a:round/>
+              <a:headEnd len="med" w="med" type="none"/>
+              <a:tailEnd len="med" w="med" type="none"/>
+            </a:ln>
+          </p:spPr>
+        </p:cxnSp>
+      </p:grpSp>
+      <p:sp>
+        <p:nvSpPr>
+          <p:cNvPr id="154" name="Google Shape;154;p3"/>
           <p:cNvSpPr/>
           <p:nvPr/>
         </p:nvSpPr>
         <p:spPr>
           <a:xfrm>
-            <a:off x="8814900" y="2400302"/>
-            <a:ext cx="2962800" cy="3628200"/>
+            <a:off x="8814900" y="1638301"/>
+            <a:ext cx="2962800" cy="1952700"/>
           </a:xfrm>
           <a:prstGeom prst="roundRect">
             <a:avLst>
@@ -15709,14 +16398,14 @@
       </p:sp>
       <p:sp>
         <p:nvSpPr>
-          <p:cNvPr id="141" name="Google Shape;141;p3"/>
+          <p:cNvPr id="155" name="Google Shape;155;p3"/>
           <p:cNvSpPr txBox="1"/>
           <p:nvPr/>
         </p:nvSpPr>
         <p:spPr>
           <a:xfrm>
-            <a:off x="8815599" y="3013275"/>
-            <a:ext cx="2850300" cy="2225400"/>
+            <a:off x="8871150" y="1870600"/>
+            <a:ext cx="2850300" cy="1270200"/>
           </a:xfrm>
           <a:prstGeom prst="rect">
             <a:avLst/>
@@ -15761,7 +16450,7 @@
               </a:rPr>
               <a:t>Conversion from csv to json</a:t>
             </a:r>
-            <a:endParaRPr b="0" i="0" sz="1800" u="none" cap="none" strike="noStrike">
+            <a:endParaRPr sz="1800">
               <a:solidFill>
                 <a:schemeClr val="dk1"/>
               </a:solidFill>
@@ -15772,12 +16461,12 @@
             </a:endParaRPr>
           </a:p>
           <a:p>
-            <a:pPr indent="-19050" lvl="1" marL="285750" marR="0" rtl="0" algn="l">
+            <a:pPr indent="-342900" lvl="0" marL="457200" marR="0" rtl="0" algn="l">
               <a:lnSpc>
                 <a:spcPct val="90000"/>
               </a:lnSpc>
               <a:spcBef>
-                <a:spcPts val="630"/>
+                <a:spcPts val="0"/>
               </a:spcBef>
               <a:spcAft>
                 <a:spcPts val="0"/>
@@ -15785,14 +16474,23 @@
               <a:buClr>
                 <a:schemeClr val="dk1"/>
               </a:buClr>
-              <a:buSzPts val="4200"/>
+              <a:buSzPts val="1800"/>
               <a:buFont typeface="Libre Franklin"/>
-              <a:buNone/>
+              <a:buChar char="●"/>
             </a:pPr>
             <a:r>
-              <a:t/>
+              <a:rPr lang="en-US" sz="1800">
+                <a:solidFill>
+                  <a:schemeClr val="dk1"/>
+                </a:solidFill>
+                <a:latin typeface="Libre Franklin"/>
+                <a:ea typeface="Libre Franklin"/>
+                <a:cs typeface="Libre Franklin"/>
+                <a:sym typeface="Libre Franklin"/>
+              </a:rPr>
+              <a:t>Available .js to read with d3 library</a:t>
             </a:r>
-            <a:endParaRPr b="0" i="0" sz="4200" u="none" cap="none" strike="noStrike">
+            <a:endParaRPr sz="1800">
               <a:solidFill>
                 <a:schemeClr val="dk1"/>
               </a:solidFill>
@@ -15806,13 +16504,13 @@
       </p:sp>
       <p:sp>
         <p:nvSpPr>
-          <p:cNvPr id="142" name="Google Shape;142;p3"/>
+          <p:cNvPr id="156" name="Google Shape;156;p3"/>
           <p:cNvSpPr/>
           <p:nvPr/>
         </p:nvSpPr>
         <p:spPr>
           <a:xfrm>
-            <a:off x="9957075" y="5846400"/>
+            <a:off x="10151625" y="3270250"/>
             <a:ext cx="1434300" cy="738900"/>
           </a:xfrm>
           <a:prstGeom prst="roundRect">
@@ -15857,117 +16555,13 @@
       </p:sp>
       <p:sp>
         <p:nvSpPr>
-          <p:cNvPr id="143" name="Google Shape;143;p3"/>
+          <p:cNvPr id="157" name="Google Shape;157;p3"/>
           <p:cNvSpPr txBox="1"/>
           <p:nvPr/>
         </p:nvSpPr>
         <p:spPr>
           <a:xfrm>
-            <a:off x="1727025" y="4910100"/>
-            <a:ext cx="2285100" cy="738900"/>
-          </a:xfrm>
-          <a:prstGeom prst="rect">
-            <a:avLst/>
-          </a:prstGeom>
-          <a:noFill/>
-          <a:ln>
-            <a:noFill/>
-          </a:ln>
-        </p:spPr>
-        <p:txBody>
-          <a:bodyPr anchorCtr="0" anchor="t" bIns="91425" lIns="91425" spcFirstLastPara="1" rIns="91425" wrap="square" tIns="91425">
-            <a:spAutoFit/>
-          </a:bodyPr>
-          <a:lstStyle/>
-          <a:p>
-            <a:pPr indent="0" lvl="0" marL="0" rtl="0" algn="ctr">
-              <a:spcBef>
-                <a:spcPts val="0"/>
-              </a:spcBef>
-              <a:spcAft>
-                <a:spcPts val="0"/>
-              </a:spcAft>
-              <a:buNone/>
-            </a:pPr>
-            <a:r>
-              <a:rPr b="1" lang="en-US" sz="3600">
-                <a:latin typeface="Libre Franklin"/>
-                <a:ea typeface="Libre Franklin"/>
-                <a:cs typeface="Libre Franklin"/>
-                <a:sym typeface="Libre Franklin"/>
-              </a:rPr>
-              <a:t>Extract</a:t>
-            </a:r>
-            <a:endParaRPr b="1" sz="3600">
-              <a:latin typeface="Libre Franklin"/>
-              <a:ea typeface="Libre Franklin"/>
-              <a:cs typeface="Libre Franklin"/>
-              <a:sym typeface="Libre Franklin"/>
-            </a:endParaRPr>
-          </a:p>
-        </p:txBody>
-      </p:sp>
-      <p:sp>
-        <p:nvSpPr>
-          <p:cNvPr id="144" name="Google Shape;144;p3"/>
-          <p:cNvSpPr txBox="1"/>
-          <p:nvPr/>
-        </p:nvSpPr>
-        <p:spPr>
-          <a:xfrm>
-            <a:off x="5596800" y="1661400"/>
-            <a:ext cx="2572200" cy="738900"/>
-          </a:xfrm>
-          <a:prstGeom prst="rect">
-            <a:avLst/>
-          </a:prstGeom>
-          <a:noFill/>
-          <a:ln>
-            <a:noFill/>
-          </a:ln>
-        </p:spPr>
-        <p:txBody>
-          <a:bodyPr anchorCtr="0" anchor="t" bIns="91425" lIns="91425" spcFirstLastPara="1" rIns="91425" wrap="square" tIns="91425">
-            <a:spAutoFit/>
-          </a:bodyPr>
-          <a:lstStyle/>
-          <a:p>
-            <a:pPr indent="0" lvl="0" marL="0" rtl="0" algn="ctr">
-              <a:spcBef>
-                <a:spcPts val="0"/>
-              </a:spcBef>
-              <a:spcAft>
-                <a:spcPts val="0"/>
-              </a:spcAft>
-              <a:buNone/>
-            </a:pPr>
-            <a:r>
-              <a:rPr b="1" lang="en-US" sz="3600">
-                <a:latin typeface="Libre Franklin"/>
-                <a:ea typeface="Libre Franklin"/>
-                <a:cs typeface="Libre Franklin"/>
-                <a:sym typeface="Libre Franklin"/>
-              </a:rPr>
-              <a:t>Transform</a:t>
-            </a:r>
-            <a:endParaRPr b="1" sz="3600">
-              <a:latin typeface="Libre Franklin"/>
-              <a:ea typeface="Libre Franklin"/>
-              <a:cs typeface="Libre Franklin"/>
-              <a:sym typeface="Libre Franklin"/>
-            </a:endParaRPr>
-          </a:p>
-        </p:txBody>
-      </p:sp>
-      <p:sp>
-        <p:nvSpPr>
-          <p:cNvPr id="145" name="Google Shape;145;p3"/>
-          <p:cNvSpPr txBox="1"/>
-          <p:nvPr/>
-        </p:nvSpPr>
-        <p:spPr>
-          <a:xfrm>
-            <a:off x="9559438" y="5846400"/>
+            <a:off x="9726213" y="3270250"/>
             <a:ext cx="2285100" cy="738900"/>
           </a:xfrm>
           <a:prstGeom prst="rect">
@@ -16011,16 +16605,24 @@
           </a:p>
         </p:txBody>
       </p:sp>
-      <p:sp>
-        <p:nvSpPr>
-          <p:cNvPr id="146" name="Google Shape;146;p3"/>
-          <p:cNvSpPr txBox="1"/>
+      <p:pic>
+        <p:nvPicPr>
+          <p:cNvPr id="158" name="Google Shape;158;p3"/>
+          <p:cNvPicPr preferRelativeResize="0"/>
           <p:nvPr/>
-        </p:nvSpPr>
+        </p:nvPicPr>
+        <p:blipFill>
+          <a:blip r:embed="rId9">
+            <a:alphaModFix/>
+          </a:blip>
+          <a:stretch>
+            <a:fillRect/>
+          </a:stretch>
+        </p:blipFill>
         <p:spPr>
           <a:xfrm>
-            <a:off x="4841025" y="2480200"/>
-            <a:ext cx="3432000" cy="2678100"/>
+            <a:off x="8405575" y="4367188"/>
+            <a:ext cx="3629025" cy="1933575"/>
           </a:xfrm>
           <a:prstGeom prst="rect">
             <a:avLst/>
@@ -16030,449 +16632,7 @@
             <a:noFill/>
           </a:ln>
         </p:spPr>
-        <p:txBody>
-          <a:bodyPr anchorCtr="0" anchor="t" bIns="91425" lIns="91425" spcFirstLastPara="1" rIns="91425" wrap="square" tIns="91425">
-            <a:spAutoFit/>
-          </a:bodyPr>
-          <a:lstStyle/>
-          <a:p>
-            <a:pPr indent="-342900" lvl="0" marL="457200" rtl="0" algn="l">
-              <a:spcBef>
-                <a:spcPts val="0"/>
-              </a:spcBef>
-              <a:spcAft>
-                <a:spcPts val="0"/>
-              </a:spcAft>
-              <a:buSzPts val="1800"/>
-              <a:buFont typeface="Libre Franklin"/>
-              <a:buChar char="●"/>
-            </a:pPr>
-            <a:r>
-              <a:rPr lang="en-US" sz="1800">
-                <a:latin typeface="Libre Franklin"/>
-                <a:ea typeface="Libre Franklin"/>
-                <a:cs typeface="Libre Franklin"/>
-                <a:sym typeface="Libre Franklin"/>
-              </a:rPr>
-              <a:t>Read csv files in Pandas</a:t>
-            </a:r>
-            <a:endParaRPr sz="1800">
-              <a:latin typeface="Libre Franklin"/>
-              <a:ea typeface="Libre Franklin"/>
-              <a:cs typeface="Libre Franklin"/>
-              <a:sym typeface="Libre Franklin"/>
-            </a:endParaRPr>
-          </a:p>
-          <a:p>
-            <a:pPr indent="-342900" lvl="0" marL="457200" rtl="0" algn="l">
-              <a:spcBef>
-                <a:spcPts val="0"/>
-              </a:spcBef>
-              <a:spcAft>
-                <a:spcPts val="0"/>
-              </a:spcAft>
-              <a:buSzPts val="1800"/>
-              <a:buFont typeface="Libre Franklin"/>
-              <a:buChar char="●"/>
-            </a:pPr>
-            <a:r>
-              <a:rPr lang="en-US" sz="1800">
-                <a:latin typeface="Libre Franklin"/>
-                <a:ea typeface="Libre Franklin"/>
-                <a:cs typeface="Libre Franklin"/>
-                <a:sym typeface="Libre Franklin"/>
-              </a:rPr>
-              <a:t>Convert format of Date column</a:t>
-            </a:r>
-            <a:endParaRPr sz="1800">
-              <a:latin typeface="Libre Franklin"/>
-              <a:ea typeface="Libre Franklin"/>
-              <a:cs typeface="Libre Franklin"/>
-              <a:sym typeface="Libre Franklin"/>
-            </a:endParaRPr>
-          </a:p>
-          <a:p>
-            <a:pPr indent="-342900" lvl="0" marL="457200" rtl="0" algn="l">
-              <a:spcBef>
-                <a:spcPts val="0"/>
-              </a:spcBef>
-              <a:spcAft>
-                <a:spcPts val="0"/>
-              </a:spcAft>
-              <a:buSzPts val="1800"/>
-              <a:buFont typeface="Libre Franklin"/>
-              <a:buChar char="●"/>
-            </a:pPr>
-            <a:r>
-              <a:rPr lang="en-US" sz="1800">
-                <a:latin typeface="Libre Franklin"/>
-                <a:ea typeface="Libre Franklin"/>
-                <a:cs typeface="Libre Franklin"/>
-                <a:sym typeface="Libre Franklin"/>
-              </a:rPr>
-              <a:t>Filter rows to only include 5 years of data</a:t>
-            </a:r>
-            <a:endParaRPr sz="1800">
-              <a:latin typeface="Libre Franklin"/>
-              <a:ea typeface="Libre Franklin"/>
-              <a:cs typeface="Libre Franklin"/>
-              <a:sym typeface="Libre Franklin"/>
-            </a:endParaRPr>
-          </a:p>
-          <a:p>
-            <a:pPr indent="-342900" lvl="0" marL="457200" rtl="0" algn="l">
-              <a:spcBef>
-                <a:spcPts val="0"/>
-              </a:spcBef>
-              <a:spcAft>
-                <a:spcPts val="0"/>
-              </a:spcAft>
-              <a:buSzPts val="1800"/>
-              <a:buFont typeface="Libre Franklin"/>
-              <a:buChar char="●"/>
-            </a:pPr>
-            <a:r>
-              <a:rPr lang="en-US" sz="1800">
-                <a:latin typeface="Libre Franklin"/>
-                <a:ea typeface="Libre Franklin"/>
-                <a:cs typeface="Libre Franklin"/>
-                <a:sym typeface="Libre Franklin"/>
-              </a:rPr>
-              <a:t>Calculate difference of values and add column</a:t>
-            </a:r>
-            <a:endParaRPr sz="1800">
-              <a:latin typeface="Libre Franklin"/>
-              <a:ea typeface="Libre Franklin"/>
-              <a:cs typeface="Libre Franklin"/>
-              <a:sym typeface="Libre Franklin"/>
-            </a:endParaRPr>
-          </a:p>
-          <a:p>
-            <a:pPr indent="-342900" lvl="0" marL="457200" rtl="0" algn="l">
-              <a:spcBef>
-                <a:spcPts val="0"/>
-              </a:spcBef>
-              <a:spcAft>
-                <a:spcPts val="0"/>
-              </a:spcAft>
-              <a:buSzPts val="1800"/>
-              <a:buFont typeface="Libre Franklin"/>
-              <a:buChar char="●"/>
-            </a:pPr>
-            <a:r>
-              <a:rPr lang="en-US" sz="1800">
-                <a:latin typeface="Libre Franklin"/>
-                <a:ea typeface="Libre Franklin"/>
-                <a:cs typeface="Libre Franklin"/>
-                <a:sym typeface="Libre Franklin"/>
-              </a:rPr>
-              <a:t>Create new csv files for monthly average formula</a:t>
-            </a:r>
-            <a:endParaRPr sz="1800">
-              <a:latin typeface="Libre Franklin"/>
-              <a:ea typeface="Libre Franklin"/>
-              <a:cs typeface="Libre Franklin"/>
-              <a:sym typeface="Libre Franklin"/>
-            </a:endParaRPr>
-          </a:p>
-        </p:txBody>
-      </p:sp>
-      <p:grpSp>
-        <p:nvGrpSpPr>
-          <p:cNvPr id="147" name="Google Shape;147;p3"/>
-          <p:cNvGrpSpPr/>
-          <p:nvPr/>
-        </p:nvGrpSpPr>
-        <p:grpSpPr>
-          <a:xfrm>
-            <a:off x="956077" y="804889"/>
-            <a:ext cx="3432080" cy="3893678"/>
-            <a:chOff x="727600" y="3485800"/>
-            <a:chExt cx="2112049" cy="2907900"/>
-          </a:xfrm>
-        </p:grpSpPr>
-        <p:pic>
-          <p:nvPicPr>
-            <p:cNvPr id="148" name="Google Shape;148;p3"/>
-            <p:cNvPicPr preferRelativeResize="0"/>
-            <p:nvPr/>
-          </p:nvPicPr>
-          <p:blipFill>
-            <a:blip r:embed="rId3">
-              <a:alphaModFix/>
-            </a:blip>
-            <a:stretch>
-              <a:fillRect/>
-            </a:stretch>
-          </p:blipFill>
-          <p:spPr>
-            <a:xfrm>
-              <a:off x="727600" y="3485800"/>
-              <a:ext cx="868060" cy="491350"/>
-            </a:xfrm>
-            <a:prstGeom prst="rect">
-              <a:avLst/>
-            </a:prstGeom>
-            <a:noFill/>
-            <a:ln>
-              <a:noFill/>
-            </a:ln>
-          </p:spPr>
-        </p:pic>
-        <p:pic>
-          <p:nvPicPr>
-            <p:cNvPr id="149" name="Google Shape;149;p3"/>
-            <p:cNvPicPr preferRelativeResize="0"/>
-            <p:nvPr/>
-          </p:nvPicPr>
-          <p:blipFill>
-            <a:blip r:embed="rId4">
-              <a:alphaModFix/>
-            </a:blip>
-            <a:stretch>
-              <a:fillRect/>
-            </a:stretch>
-          </p:blipFill>
-          <p:spPr>
-            <a:xfrm>
-              <a:off x="740421" y="5039861"/>
-              <a:ext cx="616917" cy="616914"/>
-            </a:xfrm>
-            <a:prstGeom prst="rect">
-              <a:avLst/>
-            </a:prstGeom>
-            <a:noFill/>
-            <a:ln>
-              <a:noFill/>
-            </a:ln>
-          </p:spPr>
-        </p:pic>
-        <p:pic>
-          <p:nvPicPr>
-            <p:cNvPr id="150" name="Google Shape;150;p3"/>
-            <p:cNvPicPr preferRelativeResize="0"/>
-            <p:nvPr/>
-          </p:nvPicPr>
-          <p:blipFill>
-            <a:blip r:embed="rId5">
-              <a:alphaModFix/>
-            </a:blip>
-            <a:stretch>
-              <a:fillRect/>
-            </a:stretch>
-          </p:blipFill>
-          <p:spPr>
-            <a:xfrm>
-              <a:off x="746803" y="4328277"/>
-              <a:ext cx="616916" cy="616914"/>
-            </a:xfrm>
-            <a:prstGeom prst="rect">
-              <a:avLst/>
-            </a:prstGeom>
-            <a:noFill/>
-            <a:ln>
-              <a:noFill/>
-            </a:ln>
-          </p:spPr>
-        </p:pic>
-        <p:pic>
-          <p:nvPicPr>
-            <p:cNvPr id="151" name="Google Shape;151;p3"/>
-            <p:cNvPicPr preferRelativeResize="0"/>
-            <p:nvPr/>
-          </p:nvPicPr>
-          <p:blipFill>
-            <a:blip r:embed="rId6">
-              <a:alphaModFix/>
-            </a:blip>
-            <a:stretch>
-              <a:fillRect/>
-            </a:stretch>
-          </p:blipFill>
-          <p:spPr>
-            <a:xfrm>
-              <a:off x="727600" y="5725888"/>
-              <a:ext cx="616917" cy="667812"/>
-            </a:xfrm>
-            <a:prstGeom prst="rect">
-              <a:avLst/>
-            </a:prstGeom>
-            <a:noFill/>
-            <a:ln>
-              <a:noFill/>
-            </a:ln>
-          </p:spPr>
-        </p:pic>
-        <p:pic>
-          <p:nvPicPr>
-            <p:cNvPr id="152" name="Google Shape;152;p3"/>
-            <p:cNvPicPr preferRelativeResize="0"/>
-            <p:nvPr/>
-          </p:nvPicPr>
-          <p:blipFill>
-            <a:blip r:embed="rId7">
-              <a:alphaModFix/>
-            </a:blip>
-            <a:stretch>
-              <a:fillRect/>
-            </a:stretch>
-          </p:blipFill>
-          <p:spPr>
-            <a:xfrm>
-              <a:off x="2226614" y="5087139"/>
-              <a:ext cx="613036" cy="376704"/>
-            </a:xfrm>
-            <a:prstGeom prst="rect">
-              <a:avLst/>
-            </a:prstGeom>
-            <a:noFill/>
-            <a:ln>
-              <a:noFill/>
-            </a:ln>
-          </p:spPr>
-        </p:pic>
-        <p:cxnSp>
-          <p:nvCxnSpPr>
-            <p:cNvPr id="153" name="Google Shape;153;p3"/>
-            <p:cNvCxnSpPr>
-              <a:endCxn id="152" idx="1"/>
-            </p:cNvCxnSpPr>
-            <p:nvPr/>
-          </p:nvCxnSpPr>
-          <p:spPr>
-            <a:xfrm>
-              <a:off x="1408214" y="4743291"/>
-              <a:ext cx="818400" cy="532200"/>
-            </a:xfrm>
-            <a:prstGeom prst="straightConnector1">
-              <a:avLst/>
-            </a:prstGeom>
-            <a:noFill/>
-            <a:ln cap="flat" cmpd="sng" w="9525">
-              <a:solidFill>
-                <a:schemeClr val="dk2"/>
-              </a:solidFill>
-              <a:prstDash val="solid"/>
-              <a:round/>
-              <a:headEnd len="med" w="med" type="none"/>
-              <a:tailEnd len="med" w="med" type="none"/>
-            </a:ln>
-          </p:spPr>
-        </p:cxnSp>
-        <p:cxnSp>
-          <p:nvCxnSpPr>
-            <p:cNvPr id="154" name="Google Shape;154;p3"/>
-            <p:cNvCxnSpPr>
-              <a:endCxn id="152" idx="1"/>
-            </p:cNvCxnSpPr>
-            <p:nvPr/>
-          </p:nvCxnSpPr>
-          <p:spPr>
-            <a:xfrm flipH="1" rot="10800000">
-              <a:off x="1357214" y="5275491"/>
-              <a:ext cx="869400" cy="72600"/>
-            </a:xfrm>
-            <a:prstGeom prst="straightConnector1">
-              <a:avLst/>
-            </a:prstGeom>
-            <a:noFill/>
-            <a:ln cap="flat" cmpd="sng" w="9525">
-              <a:solidFill>
-                <a:schemeClr val="dk2"/>
-              </a:solidFill>
-              <a:prstDash val="solid"/>
-              <a:round/>
-              <a:headEnd len="med" w="med" type="none"/>
-              <a:tailEnd len="med" w="med" type="none"/>
-            </a:ln>
-          </p:spPr>
-        </p:cxnSp>
-        <p:cxnSp>
-          <p:nvCxnSpPr>
-            <p:cNvPr id="155" name="Google Shape;155;p3"/>
-            <p:cNvCxnSpPr>
-              <a:endCxn id="152" idx="1"/>
-            </p:cNvCxnSpPr>
-            <p:nvPr/>
-          </p:nvCxnSpPr>
-          <p:spPr>
-            <a:xfrm flipH="1" rot="10800000">
-              <a:off x="1430414" y="5275491"/>
-              <a:ext cx="796200" cy="865200"/>
-            </a:xfrm>
-            <a:prstGeom prst="straightConnector1">
-              <a:avLst/>
-            </a:prstGeom>
-            <a:noFill/>
-            <a:ln cap="flat" cmpd="sng" w="9525">
-              <a:solidFill>
-                <a:schemeClr val="dk2"/>
-              </a:solidFill>
-              <a:prstDash val="solid"/>
-              <a:round/>
-              <a:headEnd len="med" w="med" type="none"/>
-              <a:tailEnd len="med" w="med" type="none"/>
-            </a:ln>
-          </p:spPr>
-        </p:cxnSp>
-        <p:pic>
-          <p:nvPicPr>
-            <p:cNvPr id="156" name="Google Shape;156;p3"/>
-            <p:cNvPicPr preferRelativeResize="0"/>
-            <p:nvPr/>
-          </p:nvPicPr>
-          <p:blipFill>
-            <a:blip r:embed="rId8">
-              <a:alphaModFix/>
-            </a:blip>
-            <a:stretch>
-              <a:fillRect/>
-            </a:stretch>
-          </p:blipFill>
-          <p:spPr>
-            <a:xfrm>
-              <a:off x="2330928" y="3862512"/>
-              <a:ext cx="344139" cy="437347"/>
-            </a:xfrm>
-            <a:prstGeom prst="rect">
-              <a:avLst/>
-            </a:prstGeom>
-            <a:noFill/>
-            <a:ln>
-              <a:noFill/>
-            </a:ln>
-          </p:spPr>
-        </p:pic>
-        <p:cxnSp>
-          <p:nvCxnSpPr>
-            <p:cNvPr id="157" name="Google Shape;157;p3"/>
-            <p:cNvCxnSpPr>
-              <a:stCxn id="148" idx="3"/>
-              <a:endCxn id="156" idx="1"/>
-            </p:cNvCxnSpPr>
-            <p:nvPr/>
-          </p:nvCxnSpPr>
-          <p:spPr>
-            <a:xfrm>
-              <a:off x="1595660" y="3731475"/>
-              <a:ext cx="735300" cy="349800"/>
-            </a:xfrm>
-            <a:prstGeom prst="straightConnector1">
-              <a:avLst/>
-            </a:prstGeom>
-            <a:noFill/>
-            <a:ln cap="flat" cmpd="sng" w="9525">
-              <a:solidFill>
-                <a:schemeClr val="dk2"/>
-              </a:solidFill>
-              <a:prstDash val="solid"/>
-              <a:round/>
-              <a:headEnd len="med" w="med" type="none"/>
-              <a:tailEnd len="med" w="med" type="none"/>
-            </a:ln>
-          </p:spPr>
-        </p:cxnSp>
-      </p:grpSp>
+      </p:pic>
     </p:spTree>
   </p:cSld>
   <p:clrMapOvr>
@@ -16486,7 +16646,7 @@
   <p:cSld>
     <p:spTree>
       <p:nvGrpSpPr>
-        <p:cNvPr id="161" name="Shape 161"/>
+        <p:cNvPr id="162" name="Shape 162"/>
         <p:cNvGrpSpPr/>
         <p:nvPr/>
       </p:nvGrpSpPr>
@@ -16500,7 +16660,7 @@
       </p:grpSpPr>
       <p:sp>
         <p:nvSpPr>
-          <p:cNvPr id="162" name="Google Shape;162;p6"/>
+          <p:cNvPr id="163" name="Google Shape;163;p6"/>
           <p:cNvSpPr txBox="1"/>
           <p:nvPr>
             <p:ph type="title"/>
@@ -16559,7 +16719,7 @@
       </p:sp>
       <p:sp>
         <p:nvSpPr>
-          <p:cNvPr id="163" name="Google Shape;163;p6"/>
+          <p:cNvPr id="164" name="Google Shape;164;p6"/>
           <p:cNvSpPr txBox="1"/>
           <p:nvPr>
             <p:ph idx="1" type="body"/>
@@ -16580,9 +16740,184 @@
         </p:spPr>
         <p:txBody>
           <a:bodyPr anchorCtr="0" anchor="t" bIns="45700" lIns="91425" spcFirstLastPara="1" rIns="91425" wrap="square" tIns="45700">
-            <a:normAutofit/>
+            <a:normAutofit lnSpcReduction="20000"/>
           </a:bodyPr>
           <a:lstStyle/>
+          <a:p>
+            <a:pPr indent="-342900" lvl="0" marL="457200" rtl="0" algn="l">
+              <a:spcBef>
+                <a:spcPts val="0"/>
+              </a:spcBef>
+              <a:spcAft>
+                <a:spcPts val="0"/>
+              </a:spcAft>
+              <a:buSzPts val="1800"/>
+              <a:buChar char="●"/>
+            </a:pPr>
+            <a:r>
+              <a:rPr lang="en-US"/>
+              <a:t>HTML/CSS</a:t>
+            </a:r>
+            <a:endParaRPr/>
+          </a:p>
+          <a:p>
+            <a:pPr indent="-342900" lvl="1" marL="914400" rtl="0" algn="l">
+              <a:spcBef>
+                <a:spcPts val="0"/>
+              </a:spcBef>
+              <a:spcAft>
+                <a:spcPts val="0"/>
+              </a:spcAft>
+              <a:buSzPts val="1800"/>
+              <a:buChar char="○"/>
+            </a:pPr>
+            <a:r>
+              <a:rPr lang="en-US"/>
+              <a:t>BootStrap Framework</a:t>
+            </a:r>
+            <a:endParaRPr/>
+          </a:p>
+          <a:p>
+            <a:pPr indent="0" lvl="0" marL="457200" rtl="0" algn="l">
+              <a:spcBef>
+                <a:spcPts val="0"/>
+              </a:spcBef>
+              <a:spcAft>
+                <a:spcPts val="0"/>
+              </a:spcAft>
+              <a:buNone/>
+            </a:pPr>
+            <a:r>
+              <a:t/>
+            </a:r>
+            <a:endParaRPr/>
+          </a:p>
+          <a:p>
+            <a:pPr indent="-342900" lvl="0" marL="457200" rtl="0" algn="l">
+              <a:spcBef>
+                <a:spcPts val="0"/>
+              </a:spcBef>
+              <a:spcAft>
+                <a:spcPts val="0"/>
+              </a:spcAft>
+              <a:buSzPts val="1800"/>
+              <a:buChar char="●"/>
+            </a:pPr>
+            <a:r>
+              <a:rPr lang="en-US"/>
+              <a:t>JavaScript</a:t>
+            </a:r>
+            <a:endParaRPr/>
+          </a:p>
+          <a:p>
+            <a:pPr indent="-342900" lvl="1" marL="914400" rtl="0" algn="l">
+              <a:spcBef>
+                <a:spcPts val="0"/>
+              </a:spcBef>
+              <a:spcAft>
+                <a:spcPts val="0"/>
+              </a:spcAft>
+              <a:buSzPts val="1800"/>
+              <a:buChar char="○"/>
+            </a:pPr>
+            <a:r>
+              <a:rPr lang="en-US"/>
+              <a:t>Plotly</a:t>
+            </a:r>
+            <a:endParaRPr/>
+          </a:p>
+          <a:p>
+            <a:pPr indent="-342900" lvl="1" marL="914400" rtl="0" algn="l">
+              <a:spcBef>
+                <a:spcPts val="0"/>
+              </a:spcBef>
+              <a:spcAft>
+                <a:spcPts val="0"/>
+              </a:spcAft>
+              <a:buSzPts val="1800"/>
+              <a:buChar char="○"/>
+            </a:pPr>
+            <a:r>
+              <a:rPr lang="en-US"/>
+              <a:t>D3</a:t>
+            </a:r>
+            <a:endParaRPr/>
+          </a:p>
+          <a:p>
+            <a:pPr indent="-342900" lvl="1" marL="914400" rtl="0" algn="l">
+              <a:spcBef>
+                <a:spcPts val="0"/>
+              </a:spcBef>
+              <a:spcAft>
+                <a:spcPts val="0"/>
+              </a:spcAft>
+              <a:buSzPts val="1800"/>
+              <a:buChar char="○"/>
+            </a:pPr>
+            <a:r>
+              <a:rPr lang="en-US"/>
+              <a:t>Axios</a:t>
+            </a:r>
+            <a:endParaRPr/>
+          </a:p>
+          <a:p>
+            <a:pPr indent="-342900" lvl="1" marL="914400" rtl="0" algn="l">
+              <a:lnSpc>
+                <a:spcPct val="94000"/>
+              </a:lnSpc>
+              <a:spcBef>
+                <a:spcPts val="0"/>
+              </a:spcBef>
+              <a:spcAft>
+                <a:spcPts val="0"/>
+              </a:spcAft>
+              <a:buSzPts val="1800"/>
+              <a:buChar char="○"/>
+            </a:pPr>
+            <a:r>
+              <a:rPr lang="en-US"/>
+              <a:t>Leaflet</a:t>
+            </a:r>
+            <a:endParaRPr/>
+          </a:p>
+          <a:p>
+            <a:pPr indent="-342900" lvl="1" marL="914400" rtl="0" algn="l">
+              <a:lnSpc>
+                <a:spcPct val="94000"/>
+              </a:lnSpc>
+              <a:spcBef>
+                <a:spcPts val="0"/>
+              </a:spcBef>
+              <a:spcAft>
+                <a:spcPts val="0"/>
+              </a:spcAft>
+              <a:buSzPts val="1800"/>
+              <a:buChar char="○"/>
+            </a:pPr>
+            <a:r>
+              <a:rPr lang="en-US"/>
+              <a:t>React</a:t>
+            </a:r>
+            <a:endParaRPr/>
+          </a:p>
+          <a:p>
+            <a:pPr indent="0" lvl="0" marL="457200" rtl="0" algn="l">
+              <a:lnSpc>
+                <a:spcPct val="94000"/>
+              </a:lnSpc>
+              <a:spcBef>
+                <a:spcPts val="0"/>
+              </a:spcBef>
+              <a:spcAft>
+                <a:spcPts val="0"/>
+              </a:spcAft>
+              <a:buNone/>
+            </a:pPr>
+            <a:r>
+              <a:t/>
+            </a:r>
+            <a:endParaRPr/>
+          </a:p>
           <a:p>
             <a:pPr indent="-342900" lvl="0" marL="457200" rtl="0" algn="l">
               <a:lnSpc>
@@ -16642,66 +16977,6 @@
             <a:endParaRPr/>
           </a:p>
           <a:p>
-            <a:pPr indent="-342900" lvl="0" marL="457200" rtl="0" algn="l">
-              <a:lnSpc>
-                <a:spcPct val="94000"/>
-              </a:lnSpc>
-              <a:spcBef>
-                <a:spcPts val="0"/>
-              </a:spcBef>
-              <a:spcAft>
-                <a:spcPts val="0"/>
-              </a:spcAft>
-              <a:buSzPts val="1800"/>
-              <a:buChar char="●"/>
-            </a:pPr>
-            <a:r>
-              <a:rPr lang="en-US"/>
-              <a:t>JavaScript</a:t>
-            </a:r>
-            <a:endParaRPr/>
-          </a:p>
-          <a:p>
-            <a:pPr indent="-342900" lvl="1" marL="914400" rtl="0" algn="l">
-              <a:lnSpc>
-                <a:spcPct val="94000"/>
-              </a:lnSpc>
-              <a:spcBef>
-                <a:spcPts val="0"/>
-              </a:spcBef>
-              <a:spcAft>
-                <a:spcPts val="0"/>
-              </a:spcAft>
-              <a:buSzPts val="1800"/>
-              <a:buChar char="○"/>
-            </a:pPr>
-            <a:r>
-              <a:rPr lang="en-US"/>
-              <a:t>Axios</a:t>
-            </a:r>
-            <a:endParaRPr/>
-          </a:p>
-          <a:p>
-            <a:pPr indent="-342900" lvl="1" marL="914400" rtl="0" algn="l">
-              <a:lnSpc>
-                <a:spcPct val="94000"/>
-              </a:lnSpc>
-              <a:spcBef>
-                <a:spcPts val="0"/>
-              </a:spcBef>
-              <a:spcAft>
-                <a:spcPts val="0"/>
-              </a:spcAft>
-              <a:buSzPts val="1800"/>
-              <a:buChar char="○"/>
-            </a:pPr>
-            <a:r>
-              <a:rPr lang="en-US"/>
-              <a:t>React</a:t>
-            </a:r>
-            <a:endParaRPr/>
-          </a:p>
-          <a:p>
             <a:pPr indent="0" lvl="0" marL="914400" rtl="0" algn="l">
               <a:lnSpc>
                 <a:spcPct val="94000"/>
@@ -16716,46 +16991,6 @@
             </a:pPr>
             <a:r>
               <a:t/>
-            </a:r>
-            <a:endParaRPr/>
-          </a:p>
-          <a:p>
-            <a:pPr indent="-342900" lvl="0" marL="457200" rtl="0" algn="l">
-              <a:lnSpc>
-                <a:spcPct val="94000"/>
-              </a:lnSpc>
-              <a:spcBef>
-                <a:spcPts val="0"/>
-              </a:spcBef>
-              <a:spcAft>
-                <a:spcPts val="0"/>
-              </a:spcAft>
-              <a:buSzPts val="1800"/>
-              <a:buChar char="●"/>
-            </a:pPr>
-            <a:r>
-              <a:rPr lang="en-US"/>
-              <a:t>HTML/CSS</a:t>
-            </a:r>
-            <a:endParaRPr/>
-          </a:p>
-          <a:p>
-            <a:pPr indent="-342900" lvl="1" marL="914400" rtl="0" algn="l">
-              <a:lnSpc>
-                <a:spcPct val="94000"/>
-              </a:lnSpc>
-              <a:spcBef>
-                <a:spcPts val="0"/>
-              </a:spcBef>
-              <a:spcAft>
-                <a:spcPts val="0"/>
-              </a:spcAft>
-              <a:buSzPts val="1800"/>
-              <a:buChar char="○"/>
-            </a:pPr>
-            <a:r>
-              <a:rPr lang="en-US"/>
-              <a:t>BootStrap Framework</a:t>
             </a:r>
             <a:endParaRPr/>
           </a:p>
@@ -16779,6 +17014,61 @@
           </a:p>
         </p:txBody>
       </p:sp>
+      <p:pic>
+        <p:nvPicPr>
+          <p:cNvPr id="165" name="Google Shape;165;p6"/>
+          <p:cNvPicPr preferRelativeResize="0"/>
+          <p:nvPr/>
+        </p:nvPicPr>
+        <p:blipFill>
+          <a:blip r:embed="rId3">
+            <a:alphaModFix/>
+          </a:blip>
+          <a:stretch>
+            <a:fillRect/>
+          </a:stretch>
+        </p:blipFill>
+        <p:spPr>
+          <a:xfrm>
+            <a:off x="6589275" y="381350"/>
+            <a:ext cx="4945125" cy="3414125"/>
+          </a:xfrm>
+          <a:prstGeom prst="rect">
+            <a:avLst/>
+          </a:prstGeom>
+          <a:noFill/>
+          <a:ln>
+            <a:noFill/>
+          </a:ln>
+        </p:spPr>
+      </p:pic>
+      <p:pic>
+        <p:nvPicPr>
+          <p:cNvPr id="166" name="Google Shape;166;p6"/>
+          <p:cNvPicPr preferRelativeResize="0"/>
+          <p:nvPr/>
+        </p:nvPicPr>
+        <p:blipFill rotWithShape="1">
+          <a:blip r:embed="rId4">
+            <a:alphaModFix/>
+          </a:blip>
+          <a:srcRect b="0" l="0" r="0" t="36716"/>
+          <a:stretch/>
+        </p:blipFill>
+        <p:spPr>
+          <a:xfrm>
+            <a:off x="6589275" y="3795475"/>
+            <a:ext cx="4945125" cy="2159020"/>
+          </a:xfrm>
+          <a:prstGeom prst="rect">
+            <a:avLst/>
+          </a:prstGeom>
+          <a:noFill/>
+          <a:ln>
+            <a:noFill/>
+          </a:ln>
+        </p:spPr>
+      </p:pic>
     </p:spTree>
   </p:cSld>
   <p:clrMapOvr>
@@ -16792,7 +17082,7 @@
   <p:cSld>
     <p:spTree>
       <p:nvGrpSpPr>
-        <p:cNvPr id="168" name="Shape 168"/>
+        <p:cNvPr id="171" name="Shape 171"/>
         <p:cNvGrpSpPr/>
         <p:nvPr/>
       </p:nvGrpSpPr>
@@ -16806,7 +17096,7 @@
       </p:grpSpPr>
       <p:sp>
         <p:nvSpPr>
-          <p:cNvPr id="169" name="Google Shape;169;g10db3954a93_0_11"/>
+          <p:cNvPr id="172" name="Google Shape;172;g10db3954a93_0_11"/>
           <p:cNvSpPr txBox="1"/>
           <p:nvPr>
             <p:ph type="title"/>
@@ -16834,7 +17124,7 @@
           </a:bodyPr>
           <a:lstStyle/>
           <a:p>
-            <a:pPr indent="0" lvl="0" marL="0" rtl="0" algn="l">
+            <a:pPr indent="0" lvl="0" marL="0" rtl="0" algn="ctr">
               <a:spcBef>
                 <a:spcPts val="0"/>
               </a:spcBef>
@@ -16857,7 +17147,7 @@
       </p:sp>
       <p:sp>
         <p:nvSpPr>
-          <p:cNvPr id="170" name="Google Shape;170;g10db3954a93_0_11"/>
+          <p:cNvPr id="173" name="Google Shape;173;g10db3954a93_0_11"/>
           <p:cNvSpPr txBox="1"/>
           <p:nvPr>
             <p:ph idx="1" type="body"/>
@@ -16866,7 +17156,7 @@
         <p:spPr>
           <a:xfrm>
             <a:off x="1371600" y="2286000"/>
-            <a:ext cx="9601200" cy="3581400"/>
+            <a:ext cx="6090000" cy="3581400"/>
           </a:xfrm>
           <a:prstGeom prst="rect">
             <a:avLst/>
@@ -16878,19 +17168,178 @@
           </a:bodyPr>
           <a:lstStyle/>
           <a:p>
+            <a:pPr indent="-342900" lvl="0" marL="457200" rtl="0" algn="l">
+              <a:spcBef>
+                <a:spcPts val="1000"/>
+              </a:spcBef>
+              <a:spcAft>
+                <a:spcPts val="0"/>
+              </a:spcAft>
+              <a:buSzPts val="1800"/>
+              <a:buChar char="■"/>
+            </a:pPr>
+            <a:r>
+              <a:rPr lang="en-US"/>
+              <a:t>States are displayed using a geo json file. </a:t>
+            </a:r>
+            <a:endParaRPr/>
+          </a:p>
+          <a:p>
+            <a:pPr indent="-342900" lvl="0" marL="457200" rtl="0" algn="l">
+              <a:spcBef>
+                <a:spcPts val="0"/>
+              </a:spcBef>
+              <a:spcAft>
+                <a:spcPts val="0"/>
+              </a:spcAft>
+              <a:buSzPts val="1800"/>
+              <a:buChar char="■"/>
+            </a:pPr>
+            <a:r>
+              <a:rPr lang="en-US"/>
+              <a:t>The data for the individual states is fetched from the bls.gov using api and stored in individual files for each state. </a:t>
+            </a:r>
+            <a:endParaRPr/>
+          </a:p>
+          <a:p>
+            <a:pPr indent="-342900" lvl="0" marL="457200" rtl="0" algn="l">
+              <a:spcBef>
+                <a:spcPts val="0"/>
+              </a:spcBef>
+              <a:spcAft>
+                <a:spcPts val="0"/>
+              </a:spcAft>
+              <a:buSzPts val="1800"/>
+              <a:buChar char="■"/>
+            </a:pPr>
+            <a:r>
+              <a:rPr lang="en-US"/>
+              <a:t>The JS loads those files to </a:t>
+            </a:r>
+            <a:r>
+              <a:rPr lang="en-US"/>
+              <a:t>calculate</a:t>
+            </a:r>
+            <a:r>
+              <a:rPr lang="en-US"/>
+              <a:t> the latest unemployment rate.</a:t>
+            </a:r>
+            <a:endParaRPr/>
+          </a:p>
+          <a:p>
+            <a:pPr indent="-342900" lvl="0" marL="457200" rtl="0" algn="l">
+              <a:spcBef>
+                <a:spcPts val="0"/>
+              </a:spcBef>
+              <a:spcAft>
+                <a:spcPts val="0"/>
+              </a:spcAft>
+              <a:buSzPts val="1800"/>
+              <a:buChar char="■"/>
+            </a:pPr>
+            <a:r>
+              <a:rPr lang="en-US"/>
+              <a:t>Leaflet renders the color coding on the map using the latest updated unemployment average</a:t>
+            </a:r>
+            <a:endParaRPr/>
+          </a:p>
+          <a:p>
+            <a:pPr indent="-342900" lvl="0" marL="457200" rtl="0" algn="l">
+              <a:spcBef>
+                <a:spcPts val="0"/>
+              </a:spcBef>
+              <a:spcAft>
+                <a:spcPts val="0"/>
+              </a:spcAft>
+              <a:buSzPts val="1800"/>
+              <a:buChar char="■"/>
+            </a:pPr>
+            <a:r>
+              <a:rPr lang="en-US"/>
+              <a:t>A popup is bound to the features (state) to display the </a:t>
+            </a:r>
+            <a:r>
+              <a:rPr lang="en-US"/>
+              <a:t>unemployment</a:t>
+            </a:r>
+            <a:r>
+              <a:rPr lang="en-US"/>
+              <a:t> value.</a:t>
+            </a:r>
+            <a:endParaRPr/>
+          </a:p>
+        </p:txBody>
+      </p:sp>
+      <p:pic>
+        <p:nvPicPr>
+          <p:cNvPr id="174" name="Google Shape;174;g10db3954a93_0_11"/>
+          <p:cNvPicPr preferRelativeResize="0"/>
+          <p:nvPr/>
+        </p:nvPicPr>
+        <p:blipFill rotWithShape="1">
+          <a:blip r:embed="rId3">
+            <a:alphaModFix/>
+          </a:blip>
+          <a:srcRect b="2591" l="42465" r="0" t="0"/>
+          <a:stretch/>
+        </p:blipFill>
+        <p:spPr>
+          <a:xfrm>
+            <a:off x="7298725" y="2171700"/>
+            <a:ext cx="4893276" cy="3342649"/>
+          </a:xfrm>
+          <a:prstGeom prst="rect">
+            <a:avLst/>
+          </a:prstGeom>
+          <a:noFill/>
+          <a:ln>
+            <a:noFill/>
+          </a:ln>
+        </p:spPr>
+      </p:pic>
+      <p:sp>
+        <p:nvSpPr>
+          <p:cNvPr id="175" name="Google Shape;175;g10db3954a93_0_11"/>
+          <p:cNvSpPr txBox="1"/>
+          <p:nvPr/>
+        </p:nvSpPr>
+        <p:spPr>
+          <a:xfrm>
+            <a:off x="3868125" y="1312925"/>
+            <a:ext cx="5683800" cy="400200"/>
+          </a:xfrm>
+          <a:prstGeom prst="rect">
+            <a:avLst/>
+          </a:prstGeom>
+          <a:noFill/>
+          <a:ln>
+            <a:noFill/>
+          </a:ln>
+        </p:spPr>
+        <p:txBody>
+          <a:bodyPr anchorCtr="0" anchor="t" bIns="91425" lIns="91425" spcFirstLastPara="1" rIns="91425" wrap="square" tIns="91425">
+            <a:spAutoFit/>
+          </a:bodyPr>
+          <a:lstStyle/>
+          <a:p>
             <a:pPr indent="0" lvl="0" marL="0" rtl="0" algn="l">
               <a:spcBef>
-                <a:spcPts val="1000"/>
-              </a:spcBef>
-              <a:spcAft>
-                <a:spcPts val="200"/>
+                <a:spcPts val="0"/>
+              </a:spcBef>
+              <a:spcAft>
+                <a:spcPts val="0"/>
               </a:spcAft>
               <a:buNone/>
             </a:pPr>
             <a:r>
               <a:t/>
             </a:r>
-            <a:endParaRPr/>
+            <a:endParaRPr>
+              <a:latin typeface="Libre Franklin"/>
+              <a:ea typeface="Libre Franklin"/>
+              <a:cs typeface="Libre Franklin"/>
+              <a:sym typeface="Libre Franklin"/>
+            </a:endParaRPr>
           </a:p>
         </p:txBody>
       </p:sp>
@@ -16907,7 +17356,7 @@
   <p:cSld>
     <p:spTree>
       <p:nvGrpSpPr>
-        <p:cNvPr id="174" name="Shape 174"/>
+        <p:cNvPr id="179" name="Shape 179"/>
         <p:cNvGrpSpPr/>
         <p:nvPr/>
       </p:nvGrpSpPr>
@@ -16921,7 +17370,7 @@
       </p:grpSpPr>
       <p:sp>
         <p:nvSpPr>
-          <p:cNvPr id="175" name="Google Shape;175;p7"/>
+          <p:cNvPr id="180" name="Google Shape;180;p7"/>
           <p:cNvSpPr txBox="1"/>
           <p:nvPr>
             <p:ph type="title"/>
@@ -16980,7 +17429,7 @@
       </p:sp>
       <p:sp>
         <p:nvSpPr>
-          <p:cNvPr id="176" name="Google Shape;176;p7"/>
+          <p:cNvPr id="181" name="Google Shape;181;p7"/>
           <p:cNvSpPr txBox="1"/>
           <p:nvPr>
             <p:ph idx="1" type="body"/>
@@ -16988,8 +17437,8 @@
         </p:nvSpPr>
         <p:spPr>
           <a:xfrm>
-            <a:off x="1371600" y="1934700"/>
-            <a:ext cx="10069800" cy="3932700"/>
+            <a:off x="1271600" y="1579575"/>
+            <a:ext cx="10340400" cy="5142000"/>
           </a:xfrm>
           <a:prstGeom prst="rect">
             <a:avLst/>
@@ -17001,13 +17450,13 @@
         </p:spPr>
         <p:txBody>
           <a:bodyPr anchorCtr="0" anchor="t" bIns="45700" lIns="91425" spcFirstLastPara="1" rIns="91425" wrap="square" tIns="45700">
-            <a:normAutofit/>
+            <a:noAutofit/>
           </a:bodyPr>
           <a:lstStyle/>
           <a:p>
             <a:pPr indent="0" lvl="0" marL="0" rtl="0" algn="l">
               <a:lnSpc>
-                <a:spcPct val="115000"/>
+                <a:spcPct val="95000"/>
               </a:lnSpc>
               <a:spcBef>
                 <a:spcPts val="1200"/>
@@ -17018,12 +17467,12 @@
               <a:buClr>
                 <a:schemeClr val="dk1"/>
               </a:buClr>
-              <a:buSzPts val="1100"/>
+              <a:buSzPts val="1018"/>
               <a:buFont typeface="Arial"/>
               <a:buNone/>
             </a:pPr>
             <a:r>
-              <a:rPr lang="en-US" sz="1900">
+              <a:rPr lang="en-US" sz="1750" u="sng">
                 <a:solidFill>
                   <a:schemeClr val="dk1"/>
                 </a:solidFill>
@@ -17032,10 +17481,38 @@
                 <a:cs typeface="Arial"/>
                 <a:sym typeface="Arial"/>
               </a:rPr>
-              <a:t>-</a:t>
+              <a:t>ETL</a:t>
             </a:r>
+            <a:endParaRPr sz="1750" u="sng">
+              <a:solidFill>
+                <a:schemeClr val="dk1"/>
+              </a:solidFill>
+              <a:latin typeface="Arial"/>
+              <a:ea typeface="Arial"/>
+              <a:cs typeface="Arial"/>
+              <a:sym typeface="Arial"/>
+            </a:endParaRPr>
+          </a:p>
+          <a:p>
+            <a:pPr indent="-339725" lvl="0" marL="457200" rtl="0" algn="l">
+              <a:lnSpc>
+                <a:spcPct val="95000"/>
+              </a:lnSpc>
+              <a:spcBef>
+                <a:spcPts val="1200"/>
+              </a:spcBef>
+              <a:spcAft>
+                <a:spcPts val="0"/>
+              </a:spcAft>
+              <a:buClr>
+                <a:schemeClr val="dk1"/>
+              </a:buClr>
+              <a:buSzPts val="1750"/>
+              <a:buFont typeface="Arial"/>
+              <a:buChar char="-"/>
+            </a:pPr>
             <a:r>
-              <a:rPr lang="en-US" sz="1500">
+              <a:rPr lang="en-US" sz="1750">
                 <a:solidFill>
                   <a:schemeClr val="dk1"/>
                 </a:solidFill>
@@ -17044,10 +17521,38 @@
                 <a:cs typeface="Arial"/>
                 <a:sym typeface="Arial"/>
               </a:rPr>
-              <a:t>          </a:t>
+              <a:t>Data was limited </a:t>
             </a:r>
+            <a:endParaRPr sz="1750">
+              <a:solidFill>
+                <a:schemeClr val="dk1"/>
+              </a:solidFill>
+              <a:latin typeface="Arial"/>
+              <a:ea typeface="Arial"/>
+              <a:cs typeface="Arial"/>
+              <a:sym typeface="Arial"/>
+            </a:endParaRPr>
+          </a:p>
+          <a:p>
+            <a:pPr indent="-339725" lvl="0" marL="457200" rtl="0" algn="l">
+              <a:lnSpc>
+                <a:spcPct val="95000"/>
+              </a:lnSpc>
+              <a:spcBef>
+                <a:spcPts val="0"/>
+              </a:spcBef>
+              <a:spcAft>
+                <a:spcPts val="0"/>
+              </a:spcAft>
+              <a:buClr>
+                <a:schemeClr val="dk1"/>
+              </a:buClr>
+              <a:buSzPts val="1750"/>
+              <a:buFont typeface="Arial"/>
+              <a:buChar char="-"/>
+            </a:pPr>
             <a:r>
-              <a:rPr lang="en-US" sz="1900">
+              <a:rPr lang="en-US" sz="1750">
                 <a:solidFill>
                   <a:schemeClr val="dk1"/>
                 </a:solidFill>
@@ -17056,9 +17561,49 @@
                 <a:cs typeface="Arial"/>
                 <a:sym typeface="Arial"/>
               </a:rPr>
-              <a:t>We intended to do 10 years but ran into a few problems as it relates to some datasets not going back that far</a:t>
+              <a:t>Had to convert daily data to monthly data (Had to find the averages)</a:t>
             </a:r>
-            <a:endParaRPr sz="1900">
+            <a:endParaRPr sz="1750">
+              <a:solidFill>
+                <a:schemeClr val="dk1"/>
+              </a:solidFill>
+              <a:latin typeface="Arial"/>
+              <a:ea typeface="Arial"/>
+              <a:cs typeface="Arial"/>
+              <a:sym typeface="Arial"/>
+            </a:endParaRPr>
+          </a:p>
+          <a:p>
+            <a:pPr indent="-339725" lvl="0" marL="457200" rtl="0" algn="l">
+              <a:lnSpc>
+                <a:spcPct val="95000"/>
+              </a:lnSpc>
+              <a:spcBef>
+                <a:spcPts val="0"/>
+              </a:spcBef>
+              <a:spcAft>
+                <a:spcPts val="0"/>
+              </a:spcAft>
+              <a:buClr>
+                <a:schemeClr val="dk1"/>
+              </a:buClr>
+              <a:buSzPts val="1750"/>
+              <a:buFont typeface="Arial"/>
+              <a:buChar char="-"/>
+            </a:pPr>
+            <a:r>
+              <a:rPr lang="en-US" sz="1750">
+                <a:solidFill>
+                  <a:schemeClr val="dk1"/>
+                </a:solidFill>
+                <a:latin typeface="Arial"/>
+                <a:ea typeface="Arial"/>
+                <a:cs typeface="Arial"/>
+                <a:sym typeface="Arial"/>
+              </a:rPr>
+              <a:t>Data overall - financial data unavailable due to fee being associated with viewing information</a:t>
+            </a:r>
+            <a:endParaRPr sz="1750">
               <a:solidFill>
                 <a:schemeClr val="dk1"/>
               </a:solidFill>
@@ -17071,7 +17616,7 @@
           <a:p>
             <a:pPr indent="0" lvl="0" marL="0" rtl="0" algn="l">
               <a:lnSpc>
-                <a:spcPct val="115000"/>
+                <a:spcPct val="95000"/>
               </a:lnSpc>
               <a:spcBef>
                 <a:spcPts val="1200"/>
@@ -17082,47 +17627,13 @@
               <a:buClr>
                 <a:schemeClr val="dk1"/>
               </a:buClr>
-              <a:buSzPts val="1100"/>
-              <a:buFont typeface="Arial"/>
+              <a:buSzPts val="1018"/>
               <a:buNone/>
             </a:pPr>
             <a:r>
-              <a:rPr lang="en-US" sz="1900">
-                <a:solidFill>
-                  <a:schemeClr val="dk1"/>
-                </a:solidFill>
-                <a:latin typeface="Arial"/>
-                <a:ea typeface="Arial"/>
-                <a:cs typeface="Arial"/>
-                <a:sym typeface="Arial"/>
-              </a:rPr>
-              <a:t>-</a:t>
+              <a:t/>
             </a:r>
-            <a:r>
-              <a:rPr lang="en-US" sz="1500">
-                <a:solidFill>
-                  <a:schemeClr val="dk1"/>
-                </a:solidFill>
-                <a:latin typeface="Arial"/>
-                <a:ea typeface="Arial"/>
-                <a:cs typeface="Arial"/>
-                <a:sym typeface="Arial"/>
-              </a:rPr>
-              <a:t>          </a:t>
-            </a:r>
-            <a:r>
-              <a:rPr lang="en-US" sz="1900">
-                <a:solidFill>
-                  <a:schemeClr val="dk1"/>
-                </a:solidFill>
-                <a:latin typeface="Arial"/>
-                <a:ea typeface="Arial"/>
-                <a:cs typeface="Arial"/>
-                <a:sym typeface="Arial"/>
-              </a:rPr>
-              <a:t>Had to convert daily data to monthly data (Had to find the averages)</a:t>
-            </a:r>
-            <a:endParaRPr sz="1900">
+            <a:endParaRPr sz="1750">
               <a:solidFill>
                 <a:schemeClr val="dk1"/>
               </a:solidFill>
@@ -17135,7 +17646,7 @@
           <a:p>
             <a:pPr indent="0" lvl="0" marL="0" rtl="0" algn="l">
               <a:lnSpc>
-                <a:spcPct val="115000"/>
+                <a:spcPct val="95000"/>
               </a:lnSpc>
               <a:spcBef>
                 <a:spcPts val="1200"/>
@@ -17146,11 +17657,11 @@
               <a:buClr>
                 <a:schemeClr val="dk1"/>
               </a:buClr>
-              <a:buSzPts val="1100"/>
+              <a:buSzPts val="1018"/>
               <a:buNone/>
             </a:pPr>
             <a:r>
-              <a:rPr lang="en-US" sz="1900">
+              <a:rPr lang="en-US" sz="1750" u="sng">
                 <a:solidFill>
                   <a:schemeClr val="dk1"/>
                 </a:solidFill>
@@ -17159,10 +17670,38 @@
                 <a:cs typeface="Arial"/>
                 <a:sym typeface="Arial"/>
               </a:rPr>
-              <a:t>-</a:t>
+              <a:t>Dashboard</a:t>
             </a:r>
+            <a:endParaRPr sz="1750" u="sng">
+              <a:solidFill>
+                <a:schemeClr val="dk1"/>
+              </a:solidFill>
+              <a:latin typeface="Arial"/>
+              <a:ea typeface="Arial"/>
+              <a:cs typeface="Arial"/>
+              <a:sym typeface="Arial"/>
+            </a:endParaRPr>
+          </a:p>
+          <a:p>
+            <a:pPr indent="-339725" lvl="0" marL="457200" rtl="0" algn="l">
+              <a:lnSpc>
+                <a:spcPct val="95000"/>
+              </a:lnSpc>
+              <a:spcBef>
+                <a:spcPts val="1200"/>
+              </a:spcBef>
+              <a:spcAft>
+                <a:spcPts val="0"/>
+              </a:spcAft>
+              <a:buClr>
+                <a:schemeClr val="dk1"/>
+              </a:buClr>
+              <a:buSzPts val="1750"/>
+              <a:buFont typeface="Arial"/>
+              <a:buChar char="-"/>
+            </a:pPr>
             <a:r>
-              <a:rPr lang="en-US" sz="1500">
+              <a:rPr lang="en-US" sz="1750">
                 <a:solidFill>
                   <a:schemeClr val="dk1"/>
                 </a:solidFill>
@@ -17171,10 +17710,38 @@
                 <a:cs typeface="Arial"/>
                 <a:sym typeface="Arial"/>
               </a:rPr>
-              <a:t>          </a:t>
+              <a:t>API calls through JavaScript- Axios (News API)</a:t>
             </a:r>
+            <a:endParaRPr sz="1750">
+              <a:solidFill>
+                <a:schemeClr val="dk1"/>
+              </a:solidFill>
+              <a:latin typeface="Arial"/>
+              <a:ea typeface="Arial"/>
+              <a:cs typeface="Arial"/>
+              <a:sym typeface="Arial"/>
+            </a:endParaRPr>
+          </a:p>
+          <a:p>
+            <a:pPr indent="-339725" lvl="0" marL="457200" rtl="0" algn="l">
+              <a:lnSpc>
+                <a:spcPct val="95000"/>
+              </a:lnSpc>
+              <a:spcBef>
+                <a:spcPts val="0"/>
+              </a:spcBef>
+              <a:spcAft>
+                <a:spcPts val="0"/>
+              </a:spcAft>
+              <a:buClr>
+                <a:schemeClr val="dk1"/>
+              </a:buClr>
+              <a:buSzPts val="1750"/>
+              <a:buFont typeface="Arial"/>
+              <a:buChar char="-"/>
+            </a:pPr>
             <a:r>
-              <a:rPr lang="en-US" sz="1900">
+              <a:rPr lang="en-US" sz="1750">
                 <a:solidFill>
                   <a:schemeClr val="dk1"/>
                 </a:solidFill>
@@ -17183,9 +17750,9 @@
                 <a:cs typeface="Arial"/>
                 <a:sym typeface="Arial"/>
               </a:rPr>
-              <a:t>Data overall - financial data unavailable due to fee being associated with viewing information</a:t>
+              <a:t>Date selection dropdown </a:t>
             </a:r>
-            <a:endParaRPr sz="1900">
+            <a:endParaRPr sz="1750">
               <a:solidFill>
                 <a:schemeClr val="dk1"/>
               </a:solidFill>
@@ -17198,7 +17765,7 @@
           <a:p>
             <a:pPr indent="0" lvl="0" marL="0" rtl="0" algn="l">
               <a:lnSpc>
-                <a:spcPct val="115000"/>
+                <a:spcPct val="95000"/>
               </a:lnSpc>
               <a:spcBef>
                 <a:spcPts val="1200"/>
@@ -17209,22 +17776,13 @@
               <a:buClr>
                 <a:schemeClr val="dk1"/>
               </a:buClr>
-              <a:buSzPts val="1100"/>
+              <a:buSzPts val="1018"/>
               <a:buNone/>
             </a:pPr>
             <a:r>
-              <a:rPr lang="en-US" sz="1900">
-                <a:solidFill>
-                  <a:schemeClr val="dk1"/>
-                </a:solidFill>
-                <a:latin typeface="Arial"/>
-                <a:ea typeface="Arial"/>
-                <a:cs typeface="Arial"/>
-                <a:sym typeface="Arial"/>
-              </a:rPr>
-              <a:t>-	  API calls through JavaScript- Axios (News API)</a:t>
+              <a:t/>
             </a:r>
-            <a:endParaRPr sz="1900">
+            <a:endParaRPr sz="1750">
               <a:solidFill>
                 <a:schemeClr val="dk1"/>
               </a:solidFill>
@@ -17237,7 +17795,7 @@
           <a:p>
             <a:pPr indent="0" lvl="0" marL="0" rtl="0" algn="l">
               <a:lnSpc>
-                <a:spcPct val="115000"/>
+                <a:spcPct val="95000"/>
               </a:lnSpc>
               <a:spcBef>
                 <a:spcPts val="1200"/>
@@ -17248,11 +17806,11 @@
               <a:buClr>
                 <a:schemeClr val="dk1"/>
               </a:buClr>
-              <a:buSzPts val="1100"/>
+              <a:buSzPts val="1018"/>
               <a:buNone/>
             </a:pPr>
             <a:r>
-              <a:rPr lang="en-US" sz="1900">
+              <a:rPr lang="en-US" sz="1750" u="sng">
                 <a:solidFill>
                   <a:schemeClr val="dk1"/>
                 </a:solidFill>
@@ -17261,9 +17819,114 @@
                 <a:cs typeface="Arial"/>
                 <a:sym typeface="Arial"/>
               </a:rPr>
-              <a:t>- 	  Date selection dropdown </a:t>
+              <a:t>Map</a:t>
             </a:r>
-            <a:endParaRPr sz="1900">
+            <a:endParaRPr sz="1750" u="sng">
+              <a:solidFill>
+                <a:schemeClr val="dk1"/>
+              </a:solidFill>
+              <a:latin typeface="Arial"/>
+              <a:ea typeface="Arial"/>
+              <a:cs typeface="Arial"/>
+              <a:sym typeface="Arial"/>
+            </a:endParaRPr>
+          </a:p>
+          <a:p>
+            <a:pPr indent="-339725" lvl="0" marL="457200" rtl="0" algn="l">
+              <a:lnSpc>
+                <a:spcPct val="74000"/>
+              </a:lnSpc>
+              <a:spcBef>
+                <a:spcPts val="1200"/>
+              </a:spcBef>
+              <a:spcAft>
+                <a:spcPts val="0"/>
+              </a:spcAft>
+              <a:buClr>
+                <a:schemeClr val="dk1"/>
+              </a:buClr>
+              <a:buSzPts val="1750"/>
+              <a:buFont typeface="Arial"/>
+              <a:buChar char="-"/>
+            </a:pPr>
+            <a:r>
+              <a:rPr lang="en-US" sz="1750">
+                <a:latin typeface="Arial"/>
+                <a:ea typeface="Arial"/>
+                <a:cs typeface="Arial"/>
+                <a:sym typeface="Arial"/>
+              </a:rPr>
+              <a:t>Javascript cannot use POST method for api fetches</a:t>
+            </a:r>
+            <a:endParaRPr sz="1750">
+              <a:latin typeface="Arial"/>
+              <a:ea typeface="Arial"/>
+              <a:cs typeface="Arial"/>
+              <a:sym typeface="Arial"/>
+            </a:endParaRPr>
+          </a:p>
+          <a:p>
+            <a:pPr indent="-339725" lvl="0" marL="457200" rtl="0" algn="l">
+              <a:lnSpc>
+                <a:spcPct val="74000"/>
+              </a:lnSpc>
+              <a:spcBef>
+                <a:spcPts val="1000"/>
+              </a:spcBef>
+              <a:spcAft>
+                <a:spcPts val="0"/>
+              </a:spcAft>
+              <a:buClr>
+                <a:schemeClr val="dk1"/>
+              </a:buClr>
+              <a:buSzPts val="1750"/>
+              <a:buFont typeface="Arial"/>
+              <a:buChar char="-"/>
+            </a:pPr>
+            <a:r>
+              <a:rPr lang="en-US" sz="1750">
+                <a:latin typeface="Arial"/>
+                <a:ea typeface="Arial"/>
+                <a:cs typeface="Arial"/>
+                <a:sym typeface="Arial"/>
+              </a:rPr>
+              <a:t>Values being undefined</a:t>
+            </a:r>
+            <a:endParaRPr sz="1750">
+              <a:latin typeface="Arial"/>
+              <a:ea typeface="Arial"/>
+              <a:cs typeface="Arial"/>
+              <a:sym typeface="Arial"/>
+            </a:endParaRPr>
+          </a:p>
+          <a:p>
+            <a:pPr indent="-339725" lvl="0" marL="457200" rtl="0" algn="l">
+              <a:lnSpc>
+                <a:spcPct val="74000"/>
+              </a:lnSpc>
+              <a:spcBef>
+                <a:spcPts val="1000"/>
+              </a:spcBef>
+              <a:spcAft>
+                <a:spcPts val="0"/>
+              </a:spcAft>
+              <a:buClr>
+                <a:schemeClr val="dk1"/>
+              </a:buClr>
+              <a:buSzPts val="1750"/>
+              <a:buFont typeface="Arial"/>
+              <a:buChar char="-"/>
+            </a:pPr>
+            <a:r>
+              <a:rPr lang="en-US" sz="1750">
+                <a:latin typeface="Arial"/>
+                <a:ea typeface="Arial"/>
+                <a:cs typeface="Arial"/>
+                <a:sym typeface="Arial"/>
+              </a:rPr>
+              <a:t>Had to ensure all data was fetched before rendering data</a:t>
+            </a:r>
+            <a:endParaRPr sz="1750">
               <a:solidFill>
                 <a:schemeClr val="dk1"/>
               </a:solidFill>
@@ -17276,7 +17939,7 @@
           <a:p>
             <a:pPr indent="0" lvl="0" marL="0" rtl="0" algn="l">
               <a:lnSpc>
-                <a:spcPct val="115000"/>
+                <a:spcPct val="95000"/>
               </a:lnSpc>
               <a:spcBef>
                 <a:spcPts val="1200"/>
@@ -17287,13 +17950,13 @@
               <a:buClr>
                 <a:schemeClr val="dk1"/>
               </a:buClr>
-              <a:buSzPts val="1100"/>
+              <a:buSzPts val="1018"/>
               <a:buNone/>
             </a:pPr>
             <a:r>
               <a:t/>
             </a:r>
-            <a:endParaRPr sz="1900">
+            <a:endParaRPr sz="1757">
               <a:solidFill>
                 <a:schemeClr val="dk1"/>
               </a:solidFill>
@@ -17318,7 +17981,7 @@
   <p:cSld>
     <p:spTree>
       <p:nvGrpSpPr>
-        <p:cNvPr id="181" name="Shape 181"/>
+        <p:cNvPr id="186" name="Shape 186"/>
         <p:cNvGrpSpPr/>
         <p:nvPr/>
       </p:nvGrpSpPr>
@@ -17332,7 +17995,1156 @@
       </p:grpSpPr>
       <p:sp>
         <p:nvSpPr>
-          <p:cNvPr id="182" name="Google Shape;182;g10db3954a93_0_23"/>
+          <p:cNvPr id="187" name="Google Shape;187;g10e6c0dcf75_10_0"/>
+          <p:cNvSpPr txBox="1"/>
+          <p:nvPr>
+            <p:ph type="title"/>
+          </p:nvPr>
+        </p:nvSpPr>
+        <p:spPr>
+          <a:xfrm>
+            <a:off x="1295400" y="325650"/>
+            <a:ext cx="9601200" cy="720300"/>
+          </a:xfrm>
+          <a:prstGeom prst="rect">
+            <a:avLst/>
+          </a:prstGeom>
+          <a:effectLst>
+            <a:outerShdw blurRad="57150" rotWithShape="0" algn="bl" dir="5400000" dist="19050">
+              <a:srgbClr val="000000">
+                <a:alpha val="50000"/>
+              </a:srgbClr>
+            </a:outerShdw>
+          </a:effectLst>
+        </p:spPr>
+        <p:txBody>
+          <a:bodyPr anchorCtr="0" anchor="t" bIns="45700" lIns="91425" spcFirstLastPara="1" rIns="91425" wrap="square" tIns="45700">
+            <a:normAutofit fontScale="90000"/>
+          </a:bodyPr>
+          <a:lstStyle/>
+          <a:p>
+            <a:pPr indent="0" lvl="0" marL="0" rtl="0" algn="l">
+              <a:spcBef>
+                <a:spcPts val="0"/>
+              </a:spcBef>
+              <a:spcAft>
+                <a:spcPts val="0"/>
+              </a:spcAft>
+              <a:buNone/>
+            </a:pPr>
+            <a:r>
+              <a:rPr lang="en-US"/>
+              <a:t>Conclusion: How is the Economy doing? </a:t>
+            </a:r>
+            <a:endParaRPr/>
+          </a:p>
+        </p:txBody>
+      </p:sp>
+      <p:sp>
+        <p:nvSpPr>
+          <p:cNvPr id="188" name="Google Shape;188;g10e6c0dcf75_10_0"/>
+          <p:cNvSpPr txBox="1"/>
+          <p:nvPr>
+            <p:ph idx="1" type="body"/>
+          </p:nvPr>
+        </p:nvSpPr>
+        <p:spPr>
+          <a:xfrm>
+            <a:off x="1371600" y="1085400"/>
+            <a:ext cx="4641900" cy="2401200"/>
+          </a:xfrm>
+          <a:prstGeom prst="rect">
+            <a:avLst/>
+          </a:prstGeom>
+          <a:noFill/>
+          <a:ln>
+            <a:noFill/>
+          </a:ln>
+        </p:spPr>
+        <p:txBody>
+          <a:bodyPr anchorCtr="0" anchor="t" bIns="45700" lIns="91425" spcFirstLastPara="1" rIns="91425" wrap="square" tIns="45700">
+            <a:normAutofit fontScale="40000" lnSpcReduction="20000"/>
+          </a:bodyPr>
+          <a:lstStyle/>
+          <a:p>
+            <a:pPr indent="0" lvl="0" marL="0" rtl="0" algn="l">
+              <a:lnSpc>
+                <a:spcPct val="90000"/>
+              </a:lnSpc>
+              <a:spcBef>
+                <a:spcPts val="0"/>
+              </a:spcBef>
+              <a:spcAft>
+                <a:spcPts val="0"/>
+              </a:spcAft>
+              <a:buNone/>
+            </a:pPr>
+            <a:r>
+              <a:rPr b="1" i="0" lang="en-US" sz="3530" strike="noStrike">
+                <a:solidFill>
+                  <a:srgbClr val="191B0E"/>
+                </a:solidFill>
+                <a:latin typeface="Libre Franklin"/>
+                <a:ea typeface="Libre Franklin"/>
+                <a:cs typeface="Libre Franklin"/>
+                <a:sym typeface="Libre Franklin"/>
+              </a:rPr>
+              <a:t>Institutional Economic Data: </a:t>
+            </a:r>
+            <a:endParaRPr b="1" sz="3130">
+              <a:solidFill>
+                <a:srgbClr val="191B0E"/>
+              </a:solidFill>
+              <a:latin typeface="Libre Franklin"/>
+              <a:ea typeface="Libre Franklin"/>
+              <a:cs typeface="Libre Franklin"/>
+              <a:sym typeface="Libre Franklin"/>
+            </a:endParaRPr>
+          </a:p>
+          <a:p>
+            <a:pPr indent="-238262" lvl="0" marL="228600" rtl="0" algn="l">
+              <a:lnSpc>
+                <a:spcPct val="90000"/>
+              </a:lnSpc>
+              <a:spcBef>
+                <a:spcPts val="1000"/>
+              </a:spcBef>
+              <a:spcAft>
+                <a:spcPts val="0"/>
+              </a:spcAft>
+              <a:buClr>
+                <a:srgbClr val="191B0E"/>
+              </a:buClr>
+              <a:buSzPct val="100000"/>
+              <a:buChar char="●"/>
+            </a:pPr>
+            <a:r>
+              <a:rPr lang="en-US" sz="2930">
+                <a:solidFill>
+                  <a:srgbClr val="191B0E"/>
+                </a:solidFill>
+                <a:latin typeface="Libre Franklin"/>
+                <a:ea typeface="Libre Franklin"/>
+                <a:cs typeface="Libre Franklin"/>
+                <a:sym typeface="Libre Franklin"/>
+              </a:rPr>
+              <a:t>In  2017 through 2019  there was a steady trend in:</a:t>
+            </a:r>
+            <a:r>
+              <a:rPr b="0" i="0" lang="en-US" sz="2930" u="none" strike="noStrike">
+                <a:solidFill>
+                  <a:srgbClr val="191B0E"/>
+                </a:solidFill>
+                <a:latin typeface="Libre Franklin"/>
+                <a:ea typeface="Libre Franklin"/>
+                <a:cs typeface="Libre Franklin"/>
+                <a:sym typeface="Libre Franklin"/>
+              </a:rPr>
+              <a:t> </a:t>
+            </a:r>
+            <a:endParaRPr sz="4530"/>
+          </a:p>
+          <a:p>
+            <a:pPr indent="-238262" lvl="1" marL="685800" rtl="0" algn="l">
+              <a:lnSpc>
+                <a:spcPct val="90000"/>
+              </a:lnSpc>
+              <a:spcBef>
+                <a:spcPts val="500"/>
+              </a:spcBef>
+              <a:spcAft>
+                <a:spcPts val="0"/>
+              </a:spcAft>
+              <a:buClr>
+                <a:srgbClr val="191B0E"/>
+              </a:buClr>
+              <a:buSzPct val="100000"/>
+              <a:buChar char="○"/>
+            </a:pPr>
+            <a:r>
+              <a:rPr lang="en-US" sz="2930">
+                <a:solidFill>
+                  <a:srgbClr val="191B0E"/>
+                </a:solidFill>
+                <a:latin typeface="Libre Franklin"/>
+                <a:ea typeface="Libre Franklin"/>
+                <a:cs typeface="Libre Franklin"/>
+                <a:sym typeface="Libre Franklin"/>
+              </a:rPr>
+              <a:t>Stock Prices</a:t>
+            </a:r>
+            <a:endParaRPr sz="4130"/>
+          </a:p>
+          <a:p>
+            <a:pPr indent="-238262" lvl="1" marL="685800" rtl="0" algn="l">
+              <a:lnSpc>
+                <a:spcPct val="90000"/>
+              </a:lnSpc>
+              <a:spcBef>
+                <a:spcPts val="500"/>
+              </a:spcBef>
+              <a:spcAft>
+                <a:spcPts val="0"/>
+              </a:spcAft>
+              <a:buClr>
+                <a:srgbClr val="191B0E"/>
+              </a:buClr>
+              <a:buSzPct val="100000"/>
+              <a:buChar char="○"/>
+            </a:pPr>
+            <a:r>
+              <a:rPr lang="en-US" sz="2930">
+                <a:solidFill>
+                  <a:srgbClr val="191B0E"/>
+                </a:solidFill>
+                <a:latin typeface="Libre Franklin"/>
+                <a:ea typeface="Libre Franklin"/>
+                <a:cs typeface="Libre Franklin"/>
+                <a:sym typeface="Libre Franklin"/>
+              </a:rPr>
+              <a:t>Interest Rates</a:t>
+            </a:r>
+            <a:endParaRPr sz="4130"/>
+          </a:p>
+          <a:p>
+            <a:pPr indent="-238262" lvl="1" marL="685800" rtl="0" algn="l">
+              <a:lnSpc>
+                <a:spcPct val="90000"/>
+              </a:lnSpc>
+              <a:spcBef>
+                <a:spcPts val="500"/>
+              </a:spcBef>
+              <a:spcAft>
+                <a:spcPts val="0"/>
+              </a:spcAft>
+              <a:buClr>
+                <a:srgbClr val="191B0E"/>
+              </a:buClr>
+              <a:buSzPct val="100000"/>
+              <a:buChar char="○"/>
+            </a:pPr>
+            <a:r>
+              <a:rPr lang="en-US" sz="2930">
+                <a:solidFill>
+                  <a:srgbClr val="191B0E"/>
+                </a:solidFill>
+                <a:latin typeface="Libre Franklin"/>
+                <a:ea typeface="Libre Franklin"/>
+                <a:cs typeface="Libre Franklin"/>
+                <a:sym typeface="Libre Franklin"/>
+              </a:rPr>
+              <a:t>Money Supply (1), (2)</a:t>
+            </a:r>
+            <a:endParaRPr sz="2930">
+              <a:solidFill>
+                <a:srgbClr val="191B0E"/>
+              </a:solidFill>
+              <a:latin typeface="Libre Franklin"/>
+              <a:ea typeface="Libre Franklin"/>
+              <a:cs typeface="Libre Franklin"/>
+              <a:sym typeface="Libre Franklin"/>
+            </a:endParaRPr>
+          </a:p>
+          <a:p>
+            <a:pPr indent="0" lvl="0" marL="0" rtl="0" algn="l">
+              <a:lnSpc>
+                <a:spcPct val="90000"/>
+              </a:lnSpc>
+              <a:spcBef>
+                <a:spcPts val="500"/>
+              </a:spcBef>
+              <a:spcAft>
+                <a:spcPts val="0"/>
+              </a:spcAft>
+              <a:buNone/>
+            </a:pPr>
+            <a:r>
+              <a:t/>
+            </a:r>
+            <a:endParaRPr sz="2180">
+              <a:solidFill>
+                <a:srgbClr val="191B0E"/>
+              </a:solidFill>
+              <a:latin typeface="Libre Franklin"/>
+              <a:ea typeface="Libre Franklin"/>
+              <a:cs typeface="Libre Franklin"/>
+              <a:sym typeface="Libre Franklin"/>
+            </a:endParaRPr>
+          </a:p>
+          <a:p>
+            <a:pPr indent="-238262" lvl="0" marL="228600" rtl="0" algn="l">
+              <a:lnSpc>
+                <a:spcPct val="90000"/>
+              </a:lnSpc>
+              <a:spcBef>
+                <a:spcPts val="1000"/>
+              </a:spcBef>
+              <a:spcAft>
+                <a:spcPts val="0"/>
+              </a:spcAft>
+              <a:buClr>
+                <a:srgbClr val="191B0E"/>
+              </a:buClr>
+              <a:buSzPct val="100000"/>
+              <a:buChar char="●"/>
+            </a:pPr>
+            <a:r>
+              <a:rPr lang="en-US" sz="2930">
+                <a:solidFill>
+                  <a:srgbClr val="191B0E"/>
+                </a:solidFill>
+                <a:latin typeface="Libre Franklin"/>
+                <a:ea typeface="Libre Franklin"/>
+                <a:cs typeface="Libre Franklin"/>
+                <a:sym typeface="Libre Franklin"/>
+              </a:rPr>
+              <a:t>Beginning of  2020 , we can see the  gradual drop in most variables with the most significant  being the </a:t>
+            </a:r>
+            <a:endParaRPr sz="2930">
+              <a:solidFill>
+                <a:srgbClr val="191B0E"/>
+              </a:solidFill>
+              <a:latin typeface="Libre Franklin"/>
+              <a:ea typeface="Libre Franklin"/>
+              <a:cs typeface="Libre Franklin"/>
+              <a:sym typeface="Libre Franklin"/>
+            </a:endParaRPr>
+          </a:p>
+          <a:p>
+            <a:pPr indent="-238262" lvl="1" marL="685800" rtl="0" algn="l">
+              <a:lnSpc>
+                <a:spcPct val="90000"/>
+              </a:lnSpc>
+              <a:spcBef>
+                <a:spcPts val="500"/>
+              </a:spcBef>
+              <a:spcAft>
+                <a:spcPts val="0"/>
+              </a:spcAft>
+              <a:buClr>
+                <a:srgbClr val="191B0E"/>
+              </a:buClr>
+              <a:buSzPct val="100000"/>
+              <a:buChar char="○"/>
+            </a:pPr>
+            <a:r>
+              <a:rPr lang="en-US" sz="2930">
+                <a:solidFill>
+                  <a:srgbClr val="191B0E"/>
+                </a:solidFill>
+                <a:latin typeface="Libre Franklin"/>
+                <a:ea typeface="Libre Franklin"/>
+                <a:cs typeface="Libre Franklin"/>
+                <a:sym typeface="Libre Franklin"/>
+              </a:rPr>
+              <a:t>Dow Jones dropping  by close to 6 points</a:t>
+            </a:r>
+            <a:r>
+              <a:rPr lang="en-US" sz="2930">
+                <a:solidFill>
+                  <a:srgbClr val="191B0E"/>
+                </a:solidFill>
+                <a:latin typeface="Libre Franklin"/>
+                <a:ea typeface="Libre Franklin"/>
+                <a:cs typeface="Libre Franklin"/>
+                <a:sym typeface="Libre Franklin"/>
+              </a:rPr>
+              <a:t>.</a:t>
+            </a:r>
+            <a:endParaRPr sz="4130"/>
+          </a:p>
+          <a:p>
+            <a:pPr indent="-238262" lvl="1" marL="685800" rtl="0" algn="l">
+              <a:lnSpc>
+                <a:spcPct val="90000"/>
+              </a:lnSpc>
+              <a:spcBef>
+                <a:spcPts val="500"/>
+              </a:spcBef>
+              <a:spcAft>
+                <a:spcPts val="0"/>
+              </a:spcAft>
+              <a:buClr>
+                <a:srgbClr val="191B0E"/>
+              </a:buClr>
+              <a:buSzPct val="100000"/>
+              <a:buChar char="○"/>
+            </a:pPr>
+            <a:r>
+              <a:rPr lang="en-US" sz="2930">
+                <a:solidFill>
+                  <a:srgbClr val="191B0E"/>
+                </a:solidFill>
+                <a:latin typeface="Libre Franklin"/>
+                <a:ea typeface="Libre Franklin"/>
+                <a:cs typeface="Libre Franklin"/>
+                <a:sym typeface="Libre Franklin"/>
+              </a:rPr>
+              <a:t>In contrast ,</a:t>
+            </a:r>
+            <a:endParaRPr sz="4130"/>
+          </a:p>
+          <a:p>
+            <a:pPr indent="-238262" lvl="2" marL="1143000" rtl="0" algn="l">
+              <a:lnSpc>
+                <a:spcPct val="90000"/>
+              </a:lnSpc>
+              <a:spcBef>
+                <a:spcPts val="500"/>
+              </a:spcBef>
+              <a:spcAft>
+                <a:spcPts val="0"/>
+              </a:spcAft>
+              <a:buClr>
+                <a:srgbClr val="191B0E"/>
+              </a:buClr>
+              <a:buSzPct val="100000"/>
+              <a:buChar char="■"/>
+            </a:pPr>
+            <a:r>
+              <a:rPr lang="en-US" sz="2930">
+                <a:solidFill>
+                  <a:srgbClr val="191B0E"/>
+                </a:solidFill>
+                <a:latin typeface="Libre Franklin"/>
+                <a:ea typeface="Libre Franklin"/>
+                <a:cs typeface="Libre Franklin"/>
+                <a:sym typeface="Libre Franklin"/>
+              </a:rPr>
+              <a:t> Money supply  (1) increased.</a:t>
+            </a:r>
+            <a:endParaRPr sz="3730"/>
+          </a:p>
+          <a:p>
+            <a:pPr indent="0" lvl="0" marL="1143000" rtl="0" algn="l">
+              <a:lnSpc>
+                <a:spcPct val="90000"/>
+              </a:lnSpc>
+              <a:spcBef>
+                <a:spcPts val="500"/>
+              </a:spcBef>
+              <a:spcAft>
+                <a:spcPts val="200"/>
+              </a:spcAft>
+              <a:buNone/>
+            </a:pPr>
+            <a:r>
+              <a:t/>
+            </a:r>
+            <a:endParaRPr sz="1900">
+              <a:solidFill>
+                <a:srgbClr val="191B0E"/>
+              </a:solidFill>
+              <a:latin typeface="Libre Franklin"/>
+              <a:ea typeface="Libre Franklin"/>
+              <a:cs typeface="Libre Franklin"/>
+              <a:sym typeface="Libre Franklin"/>
+            </a:endParaRPr>
+          </a:p>
+        </p:txBody>
+      </p:sp>
+      <p:sp>
+        <p:nvSpPr>
+          <p:cNvPr id="189" name="Google Shape;189;g10e6c0dcf75_10_0"/>
+          <p:cNvSpPr txBox="1"/>
+          <p:nvPr/>
+        </p:nvSpPr>
+        <p:spPr>
+          <a:xfrm>
+            <a:off x="1125000" y="3271500"/>
+            <a:ext cx="4888500" cy="3270900"/>
+          </a:xfrm>
+          <a:prstGeom prst="rect">
+            <a:avLst/>
+          </a:prstGeom>
+          <a:noFill/>
+          <a:ln>
+            <a:noFill/>
+          </a:ln>
+        </p:spPr>
+        <p:txBody>
+          <a:bodyPr anchorCtr="0" anchor="t" bIns="45700" lIns="91425" spcFirstLastPara="1" rIns="91425" wrap="square" tIns="45700">
+            <a:spAutoFit/>
+          </a:bodyPr>
+          <a:lstStyle/>
+          <a:p>
+            <a:pPr indent="0" lvl="0" marL="0" marR="0" rtl="0" algn="l">
+              <a:spcBef>
+                <a:spcPts val="0"/>
+              </a:spcBef>
+              <a:spcAft>
+                <a:spcPts val="0"/>
+              </a:spcAft>
+              <a:buNone/>
+            </a:pPr>
+            <a:r>
+              <a:rPr b="1" i="0" lang="en-US" u="none" cap="none" strike="noStrike">
+                <a:solidFill>
+                  <a:schemeClr val="dk1"/>
+                </a:solidFill>
+                <a:latin typeface="Libre Franklin"/>
+                <a:ea typeface="Libre Franklin"/>
+                <a:cs typeface="Libre Franklin"/>
+                <a:sym typeface="Libre Franklin"/>
+              </a:rPr>
+              <a:t>Individual Economic  Data: </a:t>
+            </a:r>
+            <a:endParaRPr b="1" i="0" u="none" cap="none" strike="noStrike">
+              <a:solidFill>
+                <a:schemeClr val="dk1"/>
+              </a:solidFill>
+              <a:latin typeface="Libre Franklin"/>
+              <a:ea typeface="Libre Franklin"/>
+              <a:cs typeface="Libre Franklin"/>
+              <a:sym typeface="Libre Franklin"/>
+            </a:endParaRPr>
+          </a:p>
+          <a:p>
+            <a:pPr indent="0" lvl="0" marL="0" marR="0" rtl="0" algn="l">
+              <a:spcBef>
+                <a:spcPts val="0"/>
+              </a:spcBef>
+              <a:spcAft>
+                <a:spcPts val="0"/>
+              </a:spcAft>
+              <a:buNone/>
+            </a:pPr>
+            <a:r>
+              <a:t/>
+            </a:r>
+            <a:endParaRPr b="1" sz="600">
+              <a:solidFill>
+                <a:schemeClr val="dk1"/>
+              </a:solidFill>
+              <a:latin typeface="Libre Franklin"/>
+              <a:ea typeface="Libre Franklin"/>
+              <a:cs typeface="Libre Franklin"/>
+              <a:sym typeface="Libre Franklin"/>
+            </a:endParaRPr>
+          </a:p>
+          <a:p>
+            <a:pPr indent="-301625" lvl="0" marL="457200" marR="0" rtl="0" algn="l">
+              <a:spcBef>
+                <a:spcPts val="0"/>
+              </a:spcBef>
+              <a:spcAft>
+                <a:spcPts val="0"/>
+              </a:spcAft>
+              <a:buClr>
+                <a:srgbClr val="191B0E"/>
+              </a:buClr>
+              <a:buSzPts val="1150"/>
+              <a:buFont typeface="Libre Franklin"/>
+              <a:buChar char="●"/>
+            </a:pPr>
+            <a:r>
+              <a:rPr lang="en-US" sz="1150">
+                <a:solidFill>
+                  <a:srgbClr val="191B0E"/>
+                </a:solidFill>
+                <a:latin typeface="Libre Franklin"/>
+                <a:ea typeface="Libre Franklin"/>
+                <a:cs typeface="Libre Franklin"/>
+                <a:sym typeface="Libre Franklin"/>
+              </a:rPr>
+              <a:t>In  2017 through 2019  there was a steady  trend in:</a:t>
+            </a:r>
+            <a:r>
+              <a:rPr i="0" lang="en-US" sz="1150" u="none" strike="noStrike">
+                <a:solidFill>
+                  <a:srgbClr val="191B0E"/>
+                </a:solidFill>
+                <a:latin typeface="Libre Franklin"/>
+                <a:ea typeface="Libre Franklin"/>
+                <a:cs typeface="Libre Franklin"/>
+                <a:sym typeface="Libre Franklin"/>
+              </a:rPr>
+              <a:t> </a:t>
+            </a:r>
+            <a:endParaRPr sz="1150">
+              <a:solidFill>
+                <a:schemeClr val="dk1"/>
+              </a:solidFill>
+              <a:latin typeface="Libre Franklin"/>
+              <a:ea typeface="Libre Franklin"/>
+              <a:cs typeface="Libre Franklin"/>
+              <a:sym typeface="Libre Franklin"/>
+            </a:endParaRPr>
+          </a:p>
+          <a:p>
+            <a:pPr indent="-301625" lvl="1" marL="914400" marR="0" rtl="0" algn="l">
+              <a:spcBef>
+                <a:spcPts val="0"/>
+              </a:spcBef>
+              <a:spcAft>
+                <a:spcPts val="0"/>
+              </a:spcAft>
+              <a:buClr>
+                <a:schemeClr val="dk1"/>
+              </a:buClr>
+              <a:buSzPts val="1150"/>
+              <a:buFont typeface="Libre Franklin"/>
+              <a:buChar char="○"/>
+            </a:pPr>
+            <a:r>
+              <a:rPr i="1" lang="en-US" sz="1150">
+                <a:solidFill>
+                  <a:schemeClr val="dk1"/>
+                </a:solidFill>
+                <a:latin typeface="Libre Franklin"/>
+                <a:ea typeface="Libre Franklin"/>
+                <a:cs typeface="Libre Franklin"/>
+                <a:sym typeface="Libre Franklin"/>
+              </a:rPr>
+              <a:t>Unemployment</a:t>
+            </a:r>
+            <a:endParaRPr i="1" sz="1150">
+              <a:latin typeface="Libre Franklin"/>
+              <a:ea typeface="Libre Franklin"/>
+              <a:cs typeface="Libre Franklin"/>
+              <a:sym typeface="Libre Franklin"/>
+            </a:endParaRPr>
+          </a:p>
+          <a:p>
+            <a:pPr indent="-301625" lvl="1" marL="914400" marR="0" rtl="0" algn="l">
+              <a:spcBef>
+                <a:spcPts val="0"/>
+              </a:spcBef>
+              <a:spcAft>
+                <a:spcPts val="0"/>
+              </a:spcAft>
+              <a:buClr>
+                <a:schemeClr val="dk1"/>
+              </a:buClr>
+              <a:buSzPts val="1150"/>
+              <a:buFont typeface="Libre Franklin"/>
+              <a:buChar char="○"/>
+            </a:pPr>
+            <a:r>
+              <a:rPr i="1" lang="en-US" sz="1150">
+                <a:solidFill>
+                  <a:schemeClr val="dk1"/>
+                </a:solidFill>
+                <a:latin typeface="Libre Franklin"/>
+                <a:ea typeface="Libre Franklin"/>
+                <a:cs typeface="Libre Franklin"/>
+                <a:sym typeface="Libre Franklin"/>
+              </a:rPr>
+              <a:t>Inflation</a:t>
+            </a:r>
+            <a:endParaRPr i="1" sz="1150">
+              <a:latin typeface="Libre Franklin"/>
+              <a:ea typeface="Libre Franklin"/>
+              <a:cs typeface="Libre Franklin"/>
+              <a:sym typeface="Libre Franklin"/>
+            </a:endParaRPr>
+          </a:p>
+          <a:p>
+            <a:pPr indent="-301625" lvl="1" marL="914400" marR="0" rtl="0" algn="l">
+              <a:spcBef>
+                <a:spcPts val="0"/>
+              </a:spcBef>
+              <a:spcAft>
+                <a:spcPts val="0"/>
+              </a:spcAft>
+              <a:buClr>
+                <a:schemeClr val="dk1"/>
+              </a:buClr>
+              <a:buSzPts val="1150"/>
+              <a:buFont typeface="Libre Franklin"/>
+              <a:buChar char="○"/>
+            </a:pPr>
+            <a:r>
+              <a:rPr i="1" lang="en-US" sz="1150">
+                <a:solidFill>
+                  <a:schemeClr val="dk1"/>
+                </a:solidFill>
+                <a:latin typeface="Libre Franklin"/>
+                <a:ea typeface="Libre Franklin"/>
+                <a:cs typeface="Libre Franklin"/>
+                <a:sym typeface="Libre Franklin"/>
+              </a:rPr>
+              <a:t>Interest Rates</a:t>
+            </a:r>
+            <a:endParaRPr i="1" sz="1150">
+              <a:solidFill>
+                <a:schemeClr val="dk1"/>
+              </a:solidFill>
+              <a:latin typeface="Libre Franklin"/>
+              <a:ea typeface="Libre Franklin"/>
+              <a:cs typeface="Libre Franklin"/>
+              <a:sym typeface="Libre Franklin"/>
+            </a:endParaRPr>
+          </a:p>
+          <a:p>
+            <a:pPr indent="0" lvl="0" marL="0" marR="0" rtl="0" algn="l">
+              <a:spcBef>
+                <a:spcPts val="0"/>
+              </a:spcBef>
+              <a:spcAft>
+                <a:spcPts val="0"/>
+              </a:spcAft>
+              <a:buNone/>
+            </a:pPr>
+            <a:r>
+              <a:t/>
+            </a:r>
+            <a:endParaRPr sz="850">
+              <a:solidFill>
+                <a:schemeClr val="dk1"/>
+              </a:solidFill>
+              <a:latin typeface="Libre Franklin"/>
+              <a:ea typeface="Libre Franklin"/>
+              <a:cs typeface="Libre Franklin"/>
+              <a:sym typeface="Libre Franklin"/>
+            </a:endParaRPr>
+          </a:p>
+          <a:p>
+            <a:pPr indent="-301625" lvl="0" marL="457200" marR="0" rtl="0" algn="l">
+              <a:spcBef>
+                <a:spcPts val="0"/>
+              </a:spcBef>
+              <a:spcAft>
+                <a:spcPts val="0"/>
+              </a:spcAft>
+              <a:buClr>
+                <a:schemeClr val="dk1"/>
+              </a:buClr>
+              <a:buSzPts val="1150"/>
+              <a:buFont typeface="Libre Franklin"/>
+              <a:buChar char="●"/>
+            </a:pPr>
+            <a:r>
+              <a:rPr lang="en-US" sz="1150">
+                <a:solidFill>
+                  <a:schemeClr val="dk1"/>
+                </a:solidFill>
+                <a:latin typeface="Libre Franklin"/>
+                <a:ea typeface="Libre Franklin"/>
+                <a:cs typeface="Libre Franklin"/>
+                <a:sym typeface="Libre Franklin"/>
+              </a:rPr>
+              <a:t>Unemployment 2020:</a:t>
+            </a:r>
+            <a:endParaRPr sz="1150">
+              <a:latin typeface="Libre Franklin"/>
+              <a:ea typeface="Libre Franklin"/>
+              <a:cs typeface="Libre Franklin"/>
+              <a:sym typeface="Libre Franklin"/>
+            </a:endParaRPr>
+          </a:p>
+          <a:p>
+            <a:pPr indent="-301625" lvl="1" marL="914400" marR="0" rtl="0" algn="l">
+              <a:spcBef>
+                <a:spcPts val="0"/>
+              </a:spcBef>
+              <a:spcAft>
+                <a:spcPts val="0"/>
+              </a:spcAft>
+              <a:buClr>
+                <a:schemeClr val="dk1"/>
+              </a:buClr>
+              <a:buSzPts val="1150"/>
+              <a:buFont typeface="Libre Franklin"/>
+              <a:buChar char="○"/>
+            </a:pPr>
+            <a:r>
+              <a:rPr lang="en-US" sz="1150">
+                <a:solidFill>
+                  <a:schemeClr val="dk1"/>
+                </a:solidFill>
+                <a:latin typeface="Libre Franklin"/>
+                <a:ea typeface="Libre Franklin"/>
+                <a:cs typeface="Libre Franklin"/>
+                <a:sym typeface="Libre Franklin"/>
+              </a:rPr>
+              <a:t>P</a:t>
+            </a:r>
+            <a:r>
+              <a:rPr i="0" lang="en-US" sz="1150" u="none" cap="none" strike="noStrike">
+                <a:solidFill>
+                  <a:schemeClr val="dk1"/>
+                </a:solidFill>
+                <a:latin typeface="Libre Franklin"/>
+                <a:ea typeface="Libre Franklin"/>
+                <a:cs typeface="Libre Franklin"/>
+                <a:sym typeface="Libre Franklin"/>
+              </a:rPr>
+              <a:t>eaked in April  from 4.4 to 14.7 percent.</a:t>
+            </a:r>
+            <a:endParaRPr sz="1150">
+              <a:latin typeface="Libre Franklin"/>
+              <a:ea typeface="Libre Franklin"/>
+              <a:cs typeface="Libre Franklin"/>
+              <a:sym typeface="Libre Franklin"/>
+            </a:endParaRPr>
+          </a:p>
+          <a:p>
+            <a:pPr indent="-301625" lvl="1" marL="914400" marR="0" rtl="0" algn="l">
+              <a:spcBef>
+                <a:spcPts val="0"/>
+              </a:spcBef>
+              <a:spcAft>
+                <a:spcPts val="0"/>
+              </a:spcAft>
+              <a:buClr>
+                <a:schemeClr val="dk1"/>
+              </a:buClr>
+              <a:buSzPts val="1150"/>
+              <a:buFont typeface="Libre Franklin"/>
+              <a:buChar char="○"/>
+            </a:pPr>
+            <a:r>
+              <a:rPr i="0" lang="en-US" sz="1150" u="none" cap="none" strike="noStrike">
+                <a:solidFill>
+                  <a:schemeClr val="dk1"/>
+                </a:solidFill>
+                <a:latin typeface="Libre Franklin"/>
+                <a:ea typeface="Libre Franklin"/>
+                <a:cs typeface="Libre Franklin"/>
+                <a:sym typeface="Libre Franklin"/>
+              </a:rPr>
+              <a:t>By December 2021 it went back down to 3.9 percent.</a:t>
+            </a:r>
+            <a:endParaRPr i="0" sz="1150" u="none" cap="none" strike="noStrike">
+              <a:solidFill>
+                <a:schemeClr val="dk1"/>
+              </a:solidFill>
+              <a:latin typeface="Libre Franklin"/>
+              <a:ea typeface="Libre Franklin"/>
+              <a:cs typeface="Libre Franklin"/>
+              <a:sym typeface="Libre Franklin"/>
+            </a:endParaRPr>
+          </a:p>
+          <a:p>
+            <a:pPr indent="0" lvl="0" marL="914400" marR="0" rtl="0" algn="l">
+              <a:spcBef>
+                <a:spcPts val="0"/>
+              </a:spcBef>
+              <a:spcAft>
+                <a:spcPts val="0"/>
+              </a:spcAft>
+              <a:buNone/>
+            </a:pPr>
+            <a:r>
+              <a:t/>
+            </a:r>
+            <a:endParaRPr sz="850">
+              <a:solidFill>
+                <a:schemeClr val="dk1"/>
+              </a:solidFill>
+              <a:latin typeface="Libre Franklin"/>
+              <a:ea typeface="Libre Franklin"/>
+              <a:cs typeface="Libre Franklin"/>
+              <a:sym typeface="Libre Franklin"/>
+            </a:endParaRPr>
+          </a:p>
+          <a:p>
+            <a:pPr indent="-301625" lvl="0" marL="457200" marR="0" rtl="0" algn="l">
+              <a:spcBef>
+                <a:spcPts val="0"/>
+              </a:spcBef>
+              <a:spcAft>
+                <a:spcPts val="0"/>
+              </a:spcAft>
+              <a:buClr>
+                <a:schemeClr val="dk1"/>
+              </a:buClr>
+              <a:buSzPts val="1150"/>
+              <a:buFont typeface="Libre Franklin"/>
+              <a:buChar char="●"/>
+            </a:pPr>
+            <a:r>
+              <a:rPr lang="en-US" sz="1150">
+                <a:solidFill>
+                  <a:schemeClr val="dk1"/>
+                </a:solidFill>
+                <a:latin typeface="Libre Franklin"/>
+                <a:ea typeface="Libre Franklin"/>
+                <a:cs typeface="Libre Franklin"/>
+                <a:sym typeface="Libre Franklin"/>
+              </a:rPr>
+              <a:t>Inflation 2020:</a:t>
+            </a:r>
+            <a:endParaRPr sz="1150">
+              <a:latin typeface="Libre Franklin"/>
+              <a:ea typeface="Libre Franklin"/>
+              <a:cs typeface="Libre Franklin"/>
+              <a:sym typeface="Libre Franklin"/>
+            </a:endParaRPr>
+          </a:p>
+          <a:p>
+            <a:pPr indent="-301625" lvl="1" marL="914400" marR="0" rtl="0" algn="l">
+              <a:spcBef>
+                <a:spcPts val="0"/>
+              </a:spcBef>
+              <a:spcAft>
+                <a:spcPts val="0"/>
+              </a:spcAft>
+              <a:buClr>
+                <a:schemeClr val="dk1"/>
+              </a:buClr>
+              <a:buSzPts val="1150"/>
+              <a:buFont typeface="Libre Franklin"/>
+              <a:buChar char="○"/>
+            </a:pPr>
+            <a:r>
+              <a:rPr i="0" lang="en-US" sz="1150" u="none" cap="none" strike="noStrike">
+                <a:solidFill>
+                  <a:schemeClr val="dk1"/>
+                </a:solidFill>
+                <a:latin typeface="Libre Franklin"/>
+                <a:ea typeface="Libre Franklin"/>
+                <a:cs typeface="Libre Franklin"/>
+                <a:sym typeface="Libre Franklin"/>
+              </a:rPr>
+              <a:t>In January </a:t>
+            </a:r>
+            <a:r>
+              <a:rPr lang="en-US" sz="1150">
+                <a:solidFill>
+                  <a:schemeClr val="dk1"/>
+                </a:solidFill>
+                <a:latin typeface="Libre Franklin"/>
+                <a:ea typeface="Libre Franklin"/>
+                <a:cs typeface="Libre Franklin"/>
+                <a:sym typeface="Libre Franklin"/>
+              </a:rPr>
+              <a:t>,</a:t>
+            </a:r>
+            <a:r>
+              <a:rPr i="0" lang="en-US" sz="1150" u="none" cap="none" strike="noStrike">
+                <a:solidFill>
+                  <a:schemeClr val="dk1"/>
+                </a:solidFill>
+                <a:latin typeface="Libre Franklin"/>
+                <a:ea typeface="Libre Franklin"/>
+                <a:cs typeface="Libre Franklin"/>
+                <a:sym typeface="Libre Franklin"/>
+              </a:rPr>
+              <a:t> Inflation  was at 2.5 percent  and dropped to 0.25 percent  and has gradually increa</a:t>
+            </a:r>
+            <a:r>
+              <a:rPr lang="en-US" sz="1150">
+                <a:solidFill>
+                  <a:schemeClr val="dk1"/>
+                </a:solidFill>
+                <a:latin typeface="Libre Franklin"/>
+                <a:ea typeface="Libre Franklin"/>
+                <a:cs typeface="Libre Franklin"/>
+                <a:sym typeface="Libre Franklin"/>
+              </a:rPr>
+              <a:t>sed upward.</a:t>
+            </a:r>
+            <a:r>
+              <a:rPr i="0" lang="en-US" sz="1150" u="none" cap="none" strike="noStrike">
+                <a:solidFill>
+                  <a:schemeClr val="dk1"/>
+                </a:solidFill>
+                <a:latin typeface="Libre Franklin"/>
+                <a:ea typeface="Libre Franklin"/>
+                <a:cs typeface="Libre Franklin"/>
+                <a:sym typeface="Libre Franklin"/>
+              </a:rPr>
+              <a:t> </a:t>
+            </a:r>
+            <a:endParaRPr sz="1150">
+              <a:latin typeface="Libre Franklin"/>
+              <a:ea typeface="Libre Franklin"/>
+              <a:cs typeface="Libre Franklin"/>
+              <a:sym typeface="Libre Franklin"/>
+            </a:endParaRPr>
+          </a:p>
+          <a:p>
+            <a:pPr indent="-301625" lvl="1" marL="914400" marR="0" rtl="0" algn="l">
+              <a:spcBef>
+                <a:spcPts val="0"/>
+              </a:spcBef>
+              <a:spcAft>
+                <a:spcPts val="0"/>
+              </a:spcAft>
+              <a:buClr>
+                <a:schemeClr val="dk1"/>
+              </a:buClr>
+              <a:buSzPts val="1150"/>
+              <a:buFont typeface="Libre Franklin"/>
+              <a:buChar char="○"/>
+            </a:pPr>
+            <a:r>
+              <a:rPr lang="en-US" sz="1150">
+                <a:solidFill>
+                  <a:schemeClr val="dk1"/>
+                </a:solidFill>
+                <a:latin typeface="Libre Franklin"/>
+                <a:ea typeface="Libre Franklin"/>
+                <a:cs typeface="Libre Franklin"/>
+                <a:sym typeface="Libre Franklin"/>
+              </a:rPr>
+              <a:t>By </a:t>
+            </a:r>
+            <a:r>
+              <a:rPr i="0" lang="en-US" sz="1150" u="none" cap="none" strike="noStrike">
+                <a:solidFill>
+                  <a:schemeClr val="dk1"/>
+                </a:solidFill>
+                <a:latin typeface="Libre Franklin"/>
+                <a:ea typeface="Libre Franklin"/>
+                <a:cs typeface="Libre Franklin"/>
+                <a:sym typeface="Libre Franklin"/>
+              </a:rPr>
+              <a:t> December 2021 it  has  increased to 6.8 percent. </a:t>
+            </a:r>
+            <a:endParaRPr i="0" sz="1150" u="none" cap="none" strike="noStrike">
+              <a:solidFill>
+                <a:schemeClr val="dk1"/>
+              </a:solidFill>
+              <a:latin typeface="Libre Franklin"/>
+              <a:ea typeface="Libre Franklin"/>
+              <a:cs typeface="Libre Franklin"/>
+              <a:sym typeface="Libre Franklin"/>
+            </a:endParaRPr>
+          </a:p>
+          <a:p>
+            <a:pPr indent="0" lvl="0" marL="914400" marR="0" rtl="0" algn="l">
+              <a:spcBef>
+                <a:spcPts val="0"/>
+              </a:spcBef>
+              <a:spcAft>
+                <a:spcPts val="0"/>
+              </a:spcAft>
+              <a:buNone/>
+            </a:pPr>
+            <a:r>
+              <a:t/>
+            </a:r>
+            <a:endParaRPr sz="850">
+              <a:solidFill>
+                <a:schemeClr val="dk1"/>
+              </a:solidFill>
+              <a:latin typeface="Libre Franklin"/>
+              <a:ea typeface="Libre Franklin"/>
+              <a:cs typeface="Libre Franklin"/>
+              <a:sym typeface="Libre Franklin"/>
+            </a:endParaRPr>
+          </a:p>
+          <a:p>
+            <a:pPr indent="-301625" lvl="0" marL="457200" marR="0" rtl="0" algn="l">
+              <a:spcBef>
+                <a:spcPts val="0"/>
+              </a:spcBef>
+              <a:spcAft>
+                <a:spcPts val="0"/>
+              </a:spcAft>
+              <a:buClr>
+                <a:schemeClr val="dk1"/>
+              </a:buClr>
+              <a:buSzPts val="1150"/>
+              <a:buFont typeface="Libre Franklin"/>
+              <a:buChar char="●"/>
+            </a:pPr>
+            <a:r>
+              <a:rPr lang="en-US" sz="1150">
+                <a:solidFill>
+                  <a:schemeClr val="dk1"/>
+                </a:solidFill>
+                <a:latin typeface="Libre Franklin"/>
+                <a:ea typeface="Libre Franklin"/>
+                <a:cs typeface="Libre Franklin"/>
+                <a:sym typeface="Libre Franklin"/>
+              </a:rPr>
+              <a:t>Interest Rate: Beginning of 2020 we can see a drop of interest rates from 1.75 percent in February 2020 to 0.25 in March  which has stayed pretty consistent up to today.   </a:t>
+            </a:r>
+            <a:endParaRPr sz="1150">
+              <a:latin typeface="Libre Franklin"/>
+              <a:ea typeface="Libre Franklin"/>
+              <a:cs typeface="Libre Franklin"/>
+              <a:sym typeface="Libre Franklin"/>
+            </a:endParaRPr>
+          </a:p>
+        </p:txBody>
+      </p:sp>
+      <p:pic>
+        <p:nvPicPr>
+          <p:cNvPr id="190" name="Google Shape;190;g10e6c0dcf75_10_0"/>
+          <p:cNvPicPr preferRelativeResize="0"/>
+          <p:nvPr/>
+        </p:nvPicPr>
+        <p:blipFill rotWithShape="1">
+          <a:blip r:embed="rId3">
+            <a:alphaModFix/>
+          </a:blip>
+          <a:srcRect b="0" l="0" r="0" t="0"/>
+          <a:stretch/>
+        </p:blipFill>
+        <p:spPr>
+          <a:xfrm>
+            <a:off x="5991120" y="1085400"/>
+            <a:ext cx="6048481" cy="2401200"/>
+          </a:xfrm>
+          <a:prstGeom prst="rect">
+            <a:avLst/>
+          </a:prstGeom>
+          <a:noFill/>
+          <a:ln>
+            <a:noFill/>
+          </a:ln>
+        </p:spPr>
+      </p:pic>
+      <p:pic>
+        <p:nvPicPr>
+          <p:cNvPr id="191" name="Google Shape;191;g10e6c0dcf75_10_0"/>
+          <p:cNvPicPr preferRelativeResize="0"/>
+          <p:nvPr/>
+        </p:nvPicPr>
+        <p:blipFill rotWithShape="1">
+          <a:blip r:embed="rId4">
+            <a:alphaModFix/>
+          </a:blip>
+          <a:srcRect b="0" l="0" r="0" t="0"/>
+          <a:stretch/>
+        </p:blipFill>
+        <p:spPr>
+          <a:xfrm>
+            <a:off x="5991125" y="3737375"/>
+            <a:ext cx="6048475" cy="2401200"/>
+          </a:xfrm>
+          <a:prstGeom prst="rect">
+            <a:avLst/>
+          </a:prstGeom>
+          <a:noFill/>
+          <a:ln>
+            <a:noFill/>
+          </a:ln>
+        </p:spPr>
+      </p:pic>
+    </p:spTree>
+  </p:cSld>
+  <p:clrMapOvr>
+    <a:masterClrMapping/>
+  </p:clrMapOvr>
+</p:sld>
+</file>
+
+<file path=ppt/slides/slide9.xml><?xml version="1.0" encoding="utf-8"?>
+<p:sld xmlns:a="http://schemas.openxmlformats.org/drawingml/2006/main" xmlns:r="http://schemas.openxmlformats.org/officeDocument/2006/relationships" xmlns:mc="http://schemas.openxmlformats.org/markup-compatibility/2006" xmlns:mv="urn:schemas-microsoft-com:mac:vml" xmlns:p="http://schemas.openxmlformats.org/presentationml/2006/main" xmlns:c="http://schemas.openxmlformats.org/drawingml/2006/chart" xmlns:dgm="http://schemas.openxmlformats.org/drawingml/2006/diagram" xmlns:o="urn:schemas-microsoft-com:office:office" xmlns:v="urn:schemas-microsoft-com:vml" xmlns:pvml="urn:schemas-microsoft-com:office:powerpoint" xmlns:com="http://schemas.openxmlformats.org/drawingml/2006/compatibility" xmlns:p14="http://schemas.microsoft.com/office/powerpoint/2010/main" xmlns:p15="http://schemas.microsoft.com/office/powerpoint/2012/main" xmlns:ahyp="http://schemas.microsoft.com/office/drawing/2018/hyperlinkcolor">
+  <p:cSld>
+    <p:spTree>
+      <p:nvGrpSpPr>
+        <p:cNvPr id="196" name="Shape 196"/>
+        <p:cNvGrpSpPr/>
+        <p:nvPr/>
+      </p:nvGrpSpPr>
+      <p:grpSpPr>
+        <a:xfrm>
+          <a:off x="0" y="0"/>
+          <a:ext cx="0" cy="0"/>
+          <a:chOff x="0" y="0"/>
+          <a:chExt cx="0" cy="0"/>
+        </a:xfrm>
+      </p:grpSpPr>
+      <p:sp>
+        <p:nvSpPr>
+          <p:cNvPr id="197" name="Google Shape;197;g10db3954a93_0_23"/>
           <p:cNvSpPr txBox="1"/>
           <p:nvPr/>
         </p:nvSpPr>
@@ -17398,6 +19210,285 @@
 </file>
 
 <file path=ppt/theme/theme1.xml><?xml version="1.0" encoding="utf-8"?>
+<a:theme xmlns:a="http://schemas.openxmlformats.org/drawingml/2006/main" xmlns:r="http://schemas.openxmlformats.org/officeDocument/2006/relationships" name="Crop">
+  <a:themeElements>
+    <a:clrScheme name="Crop">
+      <a:dk1>
+        <a:srgbClr val="000000"/>
+      </a:dk1>
+      <a:lt1>
+        <a:srgbClr val="FFFFFF"/>
+      </a:lt1>
+      <a:dk2>
+        <a:srgbClr val="191B0E"/>
+      </a:dk2>
+      <a:lt2>
+        <a:srgbClr val="EFEDE3"/>
+      </a:lt2>
+      <a:accent1>
+        <a:srgbClr val="8C8D86"/>
+      </a:accent1>
+      <a:accent2>
+        <a:srgbClr val="E6C069"/>
+      </a:accent2>
+      <a:accent3>
+        <a:srgbClr val="897B61"/>
+      </a:accent3>
+      <a:accent4>
+        <a:srgbClr val="8DAB8E"/>
+      </a:accent4>
+      <a:accent5>
+        <a:srgbClr val="77A2BB"/>
+      </a:accent5>
+      <a:accent6>
+        <a:srgbClr val="E28394"/>
+      </a:accent6>
+      <a:hlink>
+        <a:srgbClr val="77A2BB"/>
+      </a:hlink>
+      <a:folHlink>
+        <a:srgbClr val="957A99"/>
+      </a:folHlink>
+    </a:clrScheme>
+    <a:fontScheme name="Office">
+      <a:majorFont>
+        <a:latin typeface="Arial"/>
+        <a:ea typeface=""/>
+        <a:cs typeface=""/>
+        <a:font script="Jpan" typeface="ＭＳ Ｐゴシック"/>
+        <a:font script="Hang" typeface="맑은 고딕"/>
+        <a:font script="Hans" typeface="宋体"/>
+        <a:font script="Hant" typeface="新細明體"/>
+        <a:font script="Arab" typeface="Times New Roman"/>
+        <a:font script="Hebr" typeface="Times New Roman"/>
+        <a:font script="Thai" typeface="Angsana New"/>
+        <a:font script="Ethi" typeface="Nyala"/>
+        <a:font script="Beng" typeface="Vrinda"/>
+        <a:font script="Gujr" typeface="Shruti"/>
+        <a:font script="Khmr" typeface="MoolBoran"/>
+        <a:font script="Knda" typeface="Tunga"/>
+        <a:font script="Guru" typeface="Raavi"/>
+        <a:font script="Cans" typeface="Euphemia"/>
+        <a:font script="Cher" typeface="Plantagenet Cherokee"/>
+        <a:font script="Yiii" typeface="Microsoft Yi Baiti"/>
+        <a:font script="Tibt" typeface="Microsoft Himalaya"/>
+        <a:font script="Thaa" typeface="MV Boli"/>
+        <a:font script="Deva" typeface="Mangal"/>
+        <a:font script="Telu" typeface="Gautami"/>
+        <a:font script="Taml" typeface="Latha"/>
+        <a:font script="Syrc" typeface="Estrangelo Edessa"/>
+        <a:font script="Orya" typeface="Kalinga"/>
+        <a:font script="Mlym" typeface="Kartika"/>
+        <a:font script="Laoo" typeface="DokChampa"/>
+        <a:font script="Sinh" typeface="Iskoola Pota"/>
+        <a:font script="Mong" typeface="Mongolian Baiti"/>
+        <a:font script="Viet" typeface="Times New Roman"/>
+        <a:font script="Uigh" typeface="Microsoft Uighur"/>
+        <a:font script="Geor" typeface="Sylfaen"/>
+      </a:majorFont>
+      <a:minorFont>
+        <a:latin typeface="Arial"/>
+        <a:ea typeface=""/>
+        <a:cs typeface=""/>
+        <a:font script="Jpan" typeface="ＭＳ Ｐゴシック"/>
+        <a:font script="Hang" typeface="맑은 고딕"/>
+        <a:font script="Hans" typeface="宋体"/>
+        <a:font script="Hant" typeface="新細明體"/>
+        <a:font script="Arab" typeface="Arial"/>
+        <a:font script="Hebr" typeface="Arial"/>
+        <a:font script="Thai" typeface="Cordia New"/>
+        <a:font script="Ethi" typeface="Nyala"/>
+        <a:font script="Beng" typeface="Vrinda"/>
+        <a:font script="Gujr" typeface="Shruti"/>
+        <a:font script="Khmr" typeface="DaunPenh"/>
+        <a:font script="Knda" typeface="Tunga"/>
+        <a:font script="Guru" typeface="Raavi"/>
+        <a:font script="Cans" typeface="Euphemia"/>
+        <a:font script="Cher" typeface="Plantagenet Cherokee"/>
+        <a:font script="Yiii" typeface="Microsoft Yi Baiti"/>
+        <a:font script="Tibt" typeface="Microsoft Himalaya"/>
+        <a:font script="Thaa" typeface="MV Boli"/>
+        <a:font script="Deva" typeface="Mangal"/>
+        <a:font script="Telu" typeface="Gautami"/>
+        <a:font script="Taml" typeface="Latha"/>
+        <a:font script="Syrc" typeface="Estrangelo Edessa"/>
+        <a:font script="Orya" typeface="Kalinga"/>
+        <a:font script="Mlym" typeface="Kartika"/>
+        <a:font script="Laoo" typeface="DokChampa"/>
+        <a:font script="Sinh" typeface="Iskoola Pota"/>
+        <a:font script="Mong" typeface="Mongolian Baiti"/>
+        <a:font script="Viet" typeface="Arial"/>
+        <a:font script="Uigh" typeface="Microsoft Uighur"/>
+        <a:font script="Geor" typeface="Sylfaen"/>
+      </a:minorFont>
+    </a:fontScheme>
+    <a:fmtScheme name="Office">
+      <a:fillStyleLst>
+        <a:solidFill>
+          <a:schemeClr val="phClr"/>
+        </a:solidFill>
+        <a:gradFill rotWithShape="1">
+          <a:gsLst>
+            <a:gs pos="0">
+              <a:schemeClr val="phClr">
+                <a:tint val="50000"/>
+                <a:satMod val="300000"/>
+              </a:schemeClr>
+            </a:gs>
+            <a:gs pos="35000">
+              <a:schemeClr val="phClr">
+                <a:tint val="37000"/>
+                <a:satMod val="300000"/>
+              </a:schemeClr>
+            </a:gs>
+            <a:gs pos="100000">
+              <a:schemeClr val="phClr">
+                <a:tint val="15000"/>
+                <a:satMod val="350000"/>
+              </a:schemeClr>
+            </a:gs>
+          </a:gsLst>
+          <a:lin ang="16200000" scaled="1"/>
+        </a:gradFill>
+        <a:gradFill rotWithShape="1">
+          <a:gsLst>
+            <a:gs pos="0">
+              <a:schemeClr val="phClr">
+                <a:tint val="100000"/>
+                <a:shade val="100000"/>
+                <a:satMod val="130000"/>
+              </a:schemeClr>
+            </a:gs>
+            <a:gs pos="100000">
+              <a:schemeClr val="phClr">
+                <a:tint val="50000"/>
+                <a:shade val="100000"/>
+                <a:satMod val="350000"/>
+              </a:schemeClr>
+            </a:gs>
+          </a:gsLst>
+          <a:lin ang="16200000" scaled="0"/>
+        </a:gradFill>
+      </a:fillStyleLst>
+      <a:lnStyleLst>
+        <a:ln w="9525" cap="flat" cmpd="sng" algn="ctr">
+          <a:solidFill>
+            <a:schemeClr val="phClr">
+              <a:shade val="95000"/>
+              <a:satMod val="105000"/>
+            </a:schemeClr>
+          </a:solidFill>
+          <a:prstDash val="solid"/>
+        </a:ln>
+        <a:ln w="25400" cap="flat" cmpd="sng" algn="ctr">
+          <a:solidFill>
+            <a:schemeClr val="phClr"/>
+          </a:solidFill>
+          <a:prstDash val="solid"/>
+        </a:ln>
+        <a:ln w="38100" cap="flat" cmpd="sng" algn="ctr">
+          <a:solidFill>
+            <a:schemeClr val="phClr"/>
+          </a:solidFill>
+          <a:prstDash val="solid"/>
+        </a:ln>
+      </a:lnStyleLst>
+      <a:effectStyleLst>
+        <a:effectStyle>
+          <a:effectLst>
+            <a:outerShdw blurRad="40000" dist="20000" dir="5400000" rotWithShape="0">
+              <a:srgbClr val="000000">
+                <a:alpha val="38000"/>
+              </a:srgbClr>
+            </a:outerShdw>
+          </a:effectLst>
+        </a:effectStyle>
+        <a:effectStyle>
+          <a:effectLst>
+            <a:outerShdw blurRad="40000" dist="23000" dir="5400000" rotWithShape="0">
+              <a:srgbClr val="000000">
+                <a:alpha val="35000"/>
+              </a:srgbClr>
+            </a:outerShdw>
+          </a:effectLst>
+        </a:effectStyle>
+        <a:effectStyle>
+          <a:effectLst>
+            <a:outerShdw blurRad="40000" dist="23000" dir="5400000" rotWithShape="0">
+              <a:srgbClr val="000000">
+                <a:alpha val="35000"/>
+              </a:srgbClr>
+            </a:outerShdw>
+          </a:effectLst>
+          <a:scene3d>
+            <a:camera prst="orthographicFront">
+              <a:rot lat="0" lon="0" rev="0"/>
+            </a:camera>
+            <a:lightRig rig="threePt" dir="t">
+              <a:rot lat="0" lon="0" rev="1200000"/>
+            </a:lightRig>
+          </a:scene3d>
+          <a:sp3d>
+            <a:bevelT w="63500" h="25400"/>
+          </a:sp3d>
+        </a:effectStyle>
+      </a:effectStyleLst>
+      <a:bgFillStyleLst>
+        <a:solidFill>
+          <a:schemeClr val="phClr"/>
+        </a:solidFill>
+        <a:gradFill rotWithShape="1">
+          <a:gsLst>
+            <a:gs pos="0">
+              <a:schemeClr val="phClr">
+                <a:tint val="40000"/>
+                <a:satMod val="350000"/>
+              </a:schemeClr>
+            </a:gs>
+            <a:gs pos="40000">
+              <a:schemeClr val="phClr">
+                <a:tint val="45000"/>
+                <a:shade val="99000"/>
+                <a:satMod val="350000"/>
+              </a:schemeClr>
+            </a:gs>
+            <a:gs pos="100000">
+              <a:schemeClr val="phClr">
+                <a:shade val="20000"/>
+                <a:satMod val="255000"/>
+              </a:schemeClr>
+            </a:gs>
+          </a:gsLst>
+          <a:path path="circle">
+            <a:fillToRect l="50000" t="-80000" r="50000" b="180000"/>
+          </a:path>
+        </a:gradFill>
+        <a:gradFill rotWithShape="1">
+          <a:gsLst>
+            <a:gs pos="0">
+              <a:schemeClr val="phClr">
+                <a:tint val="80000"/>
+                <a:satMod val="300000"/>
+              </a:schemeClr>
+            </a:gs>
+            <a:gs pos="100000">
+              <a:schemeClr val="phClr">
+                <a:shade val="30000"/>
+                <a:satMod val="200000"/>
+              </a:schemeClr>
+            </a:gs>
+          </a:gsLst>
+          <a:path path="circle">
+            <a:fillToRect l="50000" t="50000" r="50000" b="50000"/>
+          </a:path>
+        </a:gradFill>
+      </a:bgFillStyleLst>
+    </a:fmtScheme>
+  </a:themeElements>
+</a:theme>
+</file>
+
+<file path=ppt/theme/theme2.xml><?xml version="1.0" encoding="utf-8"?>
 <a:theme xmlns:a="http://schemas.openxmlformats.org/drawingml/2006/main" xmlns:r="http://schemas.openxmlformats.org/officeDocument/2006/relationships" name="Office Theme">
   <a:themeElements>
     <a:clrScheme name="Office">
@@ -17674,283 +19765,4 @@
     </a:fmtScheme>
   </a:themeElements>
 </a:theme>
-</file>
-
-<file path=ppt/theme/theme2.xml><?xml version="1.0" encoding="utf-8"?>
-<a:theme xmlns:a="http://schemas.openxmlformats.org/drawingml/2006/main" xmlns:r="http://schemas.openxmlformats.org/officeDocument/2006/relationships" name="Crop">
-  <a:themeElements>
-    <a:clrScheme name="Crop">
-      <a:dk1>
-        <a:srgbClr val="000000"/>
-      </a:dk1>
-      <a:lt1>
-        <a:srgbClr val="FFFFFF"/>
-      </a:lt1>
-      <a:dk2>
-        <a:srgbClr val="191B0E"/>
-      </a:dk2>
-      <a:lt2>
-        <a:srgbClr val="EFEDE3"/>
-      </a:lt2>
-      <a:accent1>
-        <a:srgbClr val="8C8D86"/>
-      </a:accent1>
-      <a:accent2>
-        <a:srgbClr val="E6C069"/>
-      </a:accent2>
-      <a:accent3>
-        <a:srgbClr val="897B61"/>
-      </a:accent3>
-      <a:accent4>
-        <a:srgbClr val="8DAB8E"/>
-      </a:accent4>
-      <a:accent5>
-        <a:srgbClr val="77A2BB"/>
-      </a:accent5>
-      <a:accent6>
-        <a:srgbClr val="E28394"/>
-      </a:accent6>
-      <a:hlink>
-        <a:srgbClr val="77A2BB"/>
-      </a:hlink>
-      <a:folHlink>
-        <a:srgbClr val="957A99"/>
-      </a:folHlink>
-    </a:clrScheme>
-    <a:fontScheme name="Office">
-      <a:majorFont>
-        <a:latin typeface="Arial"/>
-        <a:ea typeface=""/>
-        <a:cs typeface=""/>
-        <a:font script="Jpan" typeface="ＭＳ Ｐゴシック"/>
-        <a:font script="Hang" typeface="맑은 고딕"/>
-        <a:font script="Hans" typeface="宋体"/>
-        <a:font script="Hant" typeface="新細明體"/>
-        <a:font script="Arab" typeface="Times New Roman"/>
-        <a:font script="Hebr" typeface="Times New Roman"/>
-        <a:font script="Thai" typeface="Angsana New"/>
-        <a:font script="Ethi" typeface="Nyala"/>
-        <a:font script="Beng" typeface="Vrinda"/>
-        <a:font script="Gujr" typeface="Shruti"/>
-        <a:font script="Khmr" typeface="MoolBoran"/>
-        <a:font script="Knda" typeface="Tunga"/>
-        <a:font script="Guru" typeface="Raavi"/>
-        <a:font script="Cans" typeface="Euphemia"/>
-        <a:font script="Cher" typeface="Plantagenet Cherokee"/>
-        <a:font script="Yiii" typeface="Microsoft Yi Baiti"/>
-        <a:font script="Tibt" typeface="Microsoft Himalaya"/>
-        <a:font script="Thaa" typeface="MV Boli"/>
-        <a:font script="Deva" typeface="Mangal"/>
-        <a:font script="Telu" typeface="Gautami"/>
-        <a:font script="Taml" typeface="Latha"/>
-        <a:font script="Syrc" typeface="Estrangelo Edessa"/>
-        <a:font script="Orya" typeface="Kalinga"/>
-        <a:font script="Mlym" typeface="Kartika"/>
-        <a:font script="Laoo" typeface="DokChampa"/>
-        <a:font script="Sinh" typeface="Iskoola Pota"/>
-        <a:font script="Mong" typeface="Mongolian Baiti"/>
-        <a:font script="Viet" typeface="Times New Roman"/>
-        <a:font script="Uigh" typeface="Microsoft Uighur"/>
-        <a:font script="Geor" typeface="Sylfaen"/>
-      </a:majorFont>
-      <a:minorFont>
-        <a:latin typeface="Arial"/>
-        <a:ea typeface=""/>
-        <a:cs typeface=""/>
-        <a:font script="Jpan" typeface="ＭＳ Ｐゴシック"/>
-        <a:font script="Hang" typeface="맑은 고딕"/>
-        <a:font script="Hans" typeface="宋体"/>
-        <a:font script="Hant" typeface="新細明體"/>
-        <a:font script="Arab" typeface="Arial"/>
-        <a:font script="Hebr" typeface="Arial"/>
-        <a:font script="Thai" typeface="Cordia New"/>
-        <a:font script="Ethi" typeface="Nyala"/>
-        <a:font script="Beng" typeface="Vrinda"/>
-        <a:font script="Gujr" typeface="Shruti"/>
-        <a:font script="Khmr" typeface="DaunPenh"/>
-        <a:font script="Knda" typeface="Tunga"/>
-        <a:font script="Guru" typeface="Raavi"/>
-        <a:font script="Cans" typeface="Euphemia"/>
-        <a:font script="Cher" typeface="Plantagenet Cherokee"/>
-        <a:font script="Yiii" typeface="Microsoft Yi Baiti"/>
-        <a:font script="Tibt" typeface="Microsoft Himalaya"/>
-        <a:font script="Thaa" typeface="MV Boli"/>
-        <a:font script="Deva" typeface="Mangal"/>
-        <a:font script="Telu" typeface="Gautami"/>
-        <a:font script="Taml" typeface="Latha"/>
-        <a:font script="Syrc" typeface="Estrangelo Edessa"/>
-        <a:font script="Orya" typeface="Kalinga"/>
-        <a:font script="Mlym" typeface="Kartika"/>
-        <a:font script="Laoo" typeface="DokChampa"/>
-        <a:font script="Sinh" typeface="Iskoola Pota"/>
-        <a:font script="Mong" typeface="Mongolian Baiti"/>
-        <a:font script="Viet" typeface="Arial"/>
-        <a:font script="Uigh" typeface="Microsoft Uighur"/>
-        <a:font script="Geor" typeface="Sylfaen"/>
-      </a:minorFont>
-    </a:fontScheme>
-    <a:fmtScheme name="Office">
-      <a:fillStyleLst>
-        <a:solidFill>
-          <a:schemeClr val="phClr"/>
-        </a:solidFill>
-        <a:gradFill rotWithShape="1">
-          <a:gsLst>
-            <a:gs pos="0">
-              <a:schemeClr val="phClr">
-                <a:tint val="50000"/>
-                <a:satMod val="300000"/>
-              </a:schemeClr>
-            </a:gs>
-            <a:gs pos="35000">
-              <a:schemeClr val="phClr">
-                <a:tint val="37000"/>
-                <a:satMod val="300000"/>
-              </a:schemeClr>
-            </a:gs>
-            <a:gs pos="100000">
-              <a:schemeClr val="phClr">
-                <a:tint val="15000"/>
-                <a:satMod val="350000"/>
-              </a:schemeClr>
-            </a:gs>
-          </a:gsLst>
-          <a:lin ang="16200000" scaled="1"/>
-        </a:gradFill>
-        <a:gradFill rotWithShape="1">
-          <a:gsLst>
-            <a:gs pos="0">
-              <a:schemeClr val="phClr">
-                <a:tint val="100000"/>
-                <a:shade val="100000"/>
-                <a:satMod val="130000"/>
-              </a:schemeClr>
-            </a:gs>
-            <a:gs pos="100000">
-              <a:schemeClr val="phClr">
-                <a:tint val="50000"/>
-                <a:shade val="100000"/>
-                <a:satMod val="350000"/>
-              </a:schemeClr>
-            </a:gs>
-          </a:gsLst>
-          <a:lin ang="16200000" scaled="0"/>
-        </a:gradFill>
-      </a:fillStyleLst>
-      <a:lnStyleLst>
-        <a:ln w="9525" cap="flat" cmpd="sng" algn="ctr">
-          <a:solidFill>
-            <a:schemeClr val="phClr">
-              <a:shade val="95000"/>
-              <a:satMod val="105000"/>
-            </a:schemeClr>
-          </a:solidFill>
-          <a:prstDash val="solid"/>
-        </a:ln>
-        <a:ln w="25400" cap="flat" cmpd="sng" algn="ctr">
-          <a:solidFill>
-            <a:schemeClr val="phClr"/>
-          </a:solidFill>
-          <a:prstDash val="solid"/>
-        </a:ln>
-        <a:ln w="38100" cap="flat" cmpd="sng" algn="ctr">
-          <a:solidFill>
-            <a:schemeClr val="phClr"/>
-          </a:solidFill>
-          <a:prstDash val="solid"/>
-        </a:ln>
-      </a:lnStyleLst>
-      <a:effectStyleLst>
-        <a:effectStyle>
-          <a:effectLst>
-            <a:outerShdw blurRad="40000" dist="20000" dir="5400000" rotWithShape="0">
-              <a:srgbClr val="000000">
-                <a:alpha val="38000"/>
-              </a:srgbClr>
-            </a:outerShdw>
-          </a:effectLst>
-        </a:effectStyle>
-        <a:effectStyle>
-          <a:effectLst>
-            <a:outerShdw blurRad="40000" dist="23000" dir="5400000" rotWithShape="0">
-              <a:srgbClr val="000000">
-                <a:alpha val="35000"/>
-              </a:srgbClr>
-            </a:outerShdw>
-          </a:effectLst>
-        </a:effectStyle>
-        <a:effectStyle>
-          <a:effectLst>
-            <a:outerShdw blurRad="40000" dist="23000" dir="5400000" rotWithShape="0">
-              <a:srgbClr val="000000">
-                <a:alpha val="35000"/>
-              </a:srgbClr>
-            </a:outerShdw>
-          </a:effectLst>
-          <a:scene3d>
-            <a:camera prst="orthographicFront">
-              <a:rot lat="0" lon="0" rev="0"/>
-            </a:camera>
-            <a:lightRig rig="threePt" dir="t">
-              <a:rot lat="0" lon="0" rev="1200000"/>
-            </a:lightRig>
-          </a:scene3d>
-          <a:sp3d>
-            <a:bevelT w="63500" h="25400"/>
-          </a:sp3d>
-        </a:effectStyle>
-      </a:effectStyleLst>
-      <a:bgFillStyleLst>
-        <a:solidFill>
-          <a:schemeClr val="phClr"/>
-        </a:solidFill>
-        <a:gradFill rotWithShape="1">
-          <a:gsLst>
-            <a:gs pos="0">
-              <a:schemeClr val="phClr">
-                <a:tint val="40000"/>
-                <a:satMod val="350000"/>
-              </a:schemeClr>
-            </a:gs>
-            <a:gs pos="40000">
-              <a:schemeClr val="phClr">
-                <a:tint val="45000"/>
-                <a:shade val="99000"/>
-                <a:satMod val="350000"/>
-              </a:schemeClr>
-            </a:gs>
-            <a:gs pos="100000">
-              <a:schemeClr val="phClr">
-                <a:shade val="20000"/>
-                <a:satMod val="255000"/>
-              </a:schemeClr>
-            </a:gs>
-          </a:gsLst>
-          <a:path path="circle">
-            <a:fillToRect l="50000" t="-80000" r="50000" b="180000"/>
-          </a:path>
-        </a:gradFill>
-        <a:gradFill rotWithShape="1">
-          <a:gsLst>
-            <a:gs pos="0">
-              <a:schemeClr val="phClr">
-                <a:tint val="80000"/>
-                <a:satMod val="300000"/>
-              </a:schemeClr>
-            </a:gs>
-            <a:gs pos="100000">
-              <a:schemeClr val="phClr">
-                <a:shade val="30000"/>
-                <a:satMod val="200000"/>
-              </a:schemeClr>
-            </a:gs>
-          </a:gsLst>
-          <a:path path="circle">
-            <a:fillToRect l="50000" t="50000" r="50000" b="50000"/>
-          </a:path>
-        </a:gradFill>
-      </a:bgFillStyleLst>
-    </a:fmtScheme>
-  </a:themeElements>
-</a:theme>
 </file>